--- a/docs/계층도.pptx
+++ b/docs/계층도.pptx
@@ -108,6 +108,11 @@
       </a:defRPr>
     </a:lvl9pPr>
   </p:defaultTextStyle>
+  <p:extLst>
+    <p:ext uri="{EFAFB233-063F-42B5-8137-9DF3F51BA10A}">
+      <p15:sldGuideLst xmlns:p15="http://schemas.microsoft.com/office/powerpoint/2012/main"/>
+    </p:ext>
+  </p:extLst>
 </p:presentation>
 </file>
 
@@ -258,7 +263,7 @@
           <a:p>
             <a:fld id="{421A943D-9CC1-463E-BF60-B01FC5BDE6FF}" type="datetimeFigureOut">
               <a:rPr lang="ko-KR" altLang="en-US" smtClean="0"/>
-              <a:t>2025-09-14</a:t>
+              <a:t>2025-09-18</a:t>
             </a:fld>
             <a:endParaRPr lang="ko-KR" altLang="en-US"/>
           </a:p>
@@ -456,7 +461,7 @@
           <a:p>
             <a:fld id="{421A943D-9CC1-463E-BF60-B01FC5BDE6FF}" type="datetimeFigureOut">
               <a:rPr lang="ko-KR" altLang="en-US" smtClean="0"/>
-              <a:t>2025-09-14</a:t>
+              <a:t>2025-09-18</a:t>
             </a:fld>
             <a:endParaRPr lang="ko-KR" altLang="en-US"/>
           </a:p>
@@ -664,7 +669,7 @@
           <a:p>
             <a:fld id="{421A943D-9CC1-463E-BF60-B01FC5BDE6FF}" type="datetimeFigureOut">
               <a:rPr lang="ko-KR" altLang="en-US" smtClean="0"/>
-              <a:t>2025-09-14</a:t>
+              <a:t>2025-09-18</a:t>
             </a:fld>
             <a:endParaRPr lang="ko-KR" altLang="en-US"/>
           </a:p>
@@ -862,7 +867,7 @@
           <a:p>
             <a:fld id="{421A943D-9CC1-463E-BF60-B01FC5BDE6FF}" type="datetimeFigureOut">
               <a:rPr lang="ko-KR" altLang="en-US" smtClean="0"/>
-              <a:t>2025-09-14</a:t>
+              <a:t>2025-09-18</a:t>
             </a:fld>
             <a:endParaRPr lang="ko-KR" altLang="en-US"/>
           </a:p>
@@ -1137,7 +1142,7 @@
           <a:p>
             <a:fld id="{421A943D-9CC1-463E-BF60-B01FC5BDE6FF}" type="datetimeFigureOut">
               <a:rPr lang="ko-KR" altLang="en-US" smtClean="0"/>
-              <a:t>2025-09-14</a:t>
+              <a:t>2025-09-18</a:t>
             </a:fld>
             <a:endParaRPr lang="ko-KR" altLang="en-US"/>
           </a:p>
@@ -1402,7 +1407,7 @@
           <a:p>
             <a:fld id="{421A943D-9CC1-463E-BF60-B01FC5BDE6FF}" type="datetimeFigureOut">
               <a:rPr lang="ko-KR" altLang="en-US" smtClean="0"/>
-              <a:t>2025-09-14</a:t>
+              <a:t>2025-09-18</a:t>
             </a:fld>
             <a:endParaRPr lang="ko-KR" altLang="en-US"/>
           </a:p>
@@ -1814,7 +1819,7 @@
           <a:p>
             <a:fld id="{421A943D-9CC1-463E-BF60-B01FC5BDE6FF}" type="datetimeFigureOut">
               <a:rPr lang="ko-KR" altLang="en-US" smtClean="0"/>
-              <a:t>2025-09-14</a:t>
+              <a:t>2025-09-18</a:t>
             </a:fld>
             <a:endParaRPr lang="ko-KR" altLang="en-US"/>
           </a:p>
@@ -1955,7 +1960,7 @@
           <a:p>
             <a:fld id="{421A943D-9CC1-463E-BF60-B01FC5BDE6FF}" type="datetimeFigureOut">
               <a:rPr lang="ko-KR" altLang="en-US" smtClean="0"/>
-              <a:t>2025-09-14</a:t>
+              <a:t>2025-09-18</a:t>
             </a:fld>
             <a:endParaRPr lang="ko-KR" altLang="en-US"/>
           </a:p>
@@ -2068,7 +2073,7 @@
           <a:p>
             <a:fld id="{421A943D-9CC1-463E-BF60-B01FC5BDE6FF}" type="datetimeFigureOut">
               <a:rPr lang="ko-KR" altLang="en-US" smtClean="0"/>
-              <a:t>2025-09-14</a:t>
+              <a:t>2025-09-18</a:t>
             </a:fld>
             <a:endParaRPr lang="ko-KR" altLang="en-US"/>
           </a:p>
@@ -2379,7 +2384,7 @@
           <a:p>
             <a:fld id="{421A943D-9CC1-463E-BF60-B01FC5BDE6FF}" type="datetimeFigureOut">
               <a:rPr lang="ko-KR" altLang="en-US" smtClean="0"/>
-              <a:t>2025-09-14</a:t>
+              <a:t>2025-09-18</a:t>
             </a:fld>
             <a:endParaRPr lang="ko-KR" altLang="en-US"/>
           </a:p>
@@ -2667,7 +2672,7 @@
           <a:p>
             <a:fld id="{421A943D-9CC1-463E-BF60-B01FC5BDE6FF}" type="datetimeFigureOut">
               <a:rPr lang="ko-KR" altLang="en-US" smtClean="0"/>
-              <a:t>2025-09-14</a:t>
+              <a:t>2025-09-18</a:t>
             </a:fld>
             <a:endParaRPr lang="ko-KR" altLang="en-US"/>
           </a:p>
@@ -2908,7 +2913,7 @@
           <a:p>
             <a:fld id="{421A943D-9CC1-463E-BF60-B01FC5BDE6FF}" type="datetimeFigureOut">
               <a:rPr lang="ko-KR" altLang="en-US" smtClean="0"/>
-              <a:t>2025-09-14</a:t>
+              <a:t>2025-09-18</a:t>
             </a:fld>
             <a:endParaRPr lang="ko-KR" altLang="en-US"/>
           </a:p>
@@ -10651,7 +10656,7 @@
         </p:nvSpPr>
         <p:spPr>
           <a:xfrm>
-            <a:off x="1347085" y="234165"/>
+            <a:off x="657354" y="246538"/>
             <a:ext cx="1006867" cy="369332"/>
           </a:xfrm>
           <a:prstGeom prst="rect">
@@ -10667,7 +10672,15 @@
           <a:p>
             <a:r>
               <a:rPr lang="en-US" altLang="ko-KR" dirty="0"/>
-              <a:t>F6</a:t>
+              <a:t>F6 </a:t>
+            </a:r>
+            <a:r>
+              <a:rPr lang="ko-KR" altLang="en-US" dirty="0"/>
+              <a:t>예</a:t>
+            </a:r>
+            <a:r>
+              <a:rPr lang="en-US" altLang="ko-KR" dirty="0"/>
+              <a:t>)</a:t>
             </a:r>
             <a:endParaRPr lang="ko-KR" altLang="en-US" dirty="0"/>
           </a:p>
@@ -10687,7 +10700,7 @@
         </p:nvSpPr>
         <p:spPr>
           <a:xfrm>
-            <a:off x="3445291" y="1368940"/>
+            <a:off x="2936746" y="3865561"/>
             <a:ext cx="452063" cy="277402"/>
           </a:xfrm>
           <a:prstGeom prst="ellipse">
@@ -10737,7 +10750,7 @@
         </p:nvSpPr>
         <p:spPr>
           <a:xfrm>
-            <a:off x="2753497" y="1767919"/>
+            <a:off x="2244952" y="4264540"/>
             <a:ext cx="452063" cy="277402"/>
           </a:xfrm>
           <a:prstGeom prst="ellipse">
@@ -10787,7 +10800,7 @@
         </p:nvSpPr>
         <p:spPr>
           <a:xfrm>
-            <a:off x="4414511" y="1814473"/>
+            <a:off x="3905966" y="4311094"/>
             <a:ext cx="452063" cy="277402"/>
           </a:xfrm>
           <a:prstGeom prst="ellipse">
@@ -10841,7 +10854,7 @@
         </p:nvCxnSpPr>
         <p:spPr>
           <a:xfrm flipH="1">
-            <a:off x="2979529" y="1605717"/>
+            <a:off x="2470984" y="4102338"/>
             <a:ext cx="531965" cy="162202"/>
           </a:xfrm>
           <a:prstGeom prst="line">
@@ -10880,7 +10893,7 @@
         </p:nvCxnSpPr>
         <p:spPr>
           <a:xfrm>
-            <a:off x="3831151" y="1605717"/>
+            <a:off x="3322606" y="4102338"/>
             <a:ext cx="809392" cy="208756"/>
           </a:xfrm>
           <a:prstGeom prst="line">
@@ -10916,7 +10929,7 @@
         </p:nvSpPr>
         <p:spPr>
           <a:xfrm>
-            <a:off x="2210679" y="2271201"/>
+            <a:off x="1702134" y="4767822"/>
             <a:ext cx="452063" cy="277402"/>
           </a:xfrm>
           <a:prstGeom prst="ellipse">
@@ -10966,7 +10979,7 @@
         </p:nvSpPr>
         <p:spPr>
           <a:xfrm>
-            <a:off x="1849371" y="2670180"/>
+            <a:off x="1340826" y="5166801"/>
             <a:ext cx="452063" cy="277402"/>
           </a:xfrm>
           <a:prstGeom prst="ellipse">
@@ -11012,7 +11025,7 @@
         </p:nvSpPr>
         <p:spPr>
           <a:xfrm>
-            <a:off x="2527466" y="2670180"/>
+            <a:off x="2018921" y="5166801"/>
             <a:ext cx="452063" cy="277402"/>
           </a:xfrm>
           <a:prstGeom prst="ellipse">
@@ -11062,7 +11075,7 @@
         </p:nvCxnSpPr>
         <p:spPr>
           <a:xfrm flipH="1">
-            <a:off x="2075403" y="2507978"/>
+            <a:off x="1566858" y="5004599"/>
             <a:ext cx="201479" cy="162202"/>
           </a:xfrm>
           <a:prstGeom prst="line">
@@ -11102,7 +11115,7 @@
         </p:nvCxnSpPr>
         <p:spPr>
           <a:xfrm>
-            <a:off x="2596539" y="2507978"/>
+            <a:off x="2087994" y="5004599"/>
             <a:ext cx="156959" cy="162202"/>
           </a:xfrm>
           <a:prstGeom prst="line">
@@ -11138,7 +11151,7 @@
         </p:nvSpPr>
         <p:spPr>
           <a:xfrm>
-            <a:off x="5807214" y="2280082"/>
+            <a:off x="5298669" y="4776703"/>
             <a:ext cx="452063" cy="277402"/>
           </a:xfrm>
           <a:prstGeom prst="ellipse">
@@ -11184,7 +11197,7 @@
         </p:nvSpPr>
         <p:spPr>
           <a:xfrm>
-            <a:off x="5445906" y="2679061"/>
+            <a:off x="4937361" y="5175682"/>
             <a:ext cx="452063" cy="277402"/>
           </a:xfrm>
           <a:prstGeom prst="ellipse">
@@ -11230,7 +11243,7 @@
         </p:nvSpPr>
         <p:spPr>
           <a:xfrm>
-            <a:off x="6124001" y="2679061"/>
+            <a:off x="5615456" y="5175682"/>
             <a:ext cx="452063" cy="277402"/>
           </a:xfrm>
           <a:prstGeom prst="ellipse">
@@ -11280,7 +11293,7 @@
         </p:nvCxnSpPr>
         <p:spPr>
           <a:xfrm flipH="1">
-            <a:off x="5671938" y="2516859"/>
+            <a:off x="5163393" y="5013480"/>
             <a:ext cx="201479" cy="162202"/>
           </a:xfrm>
           <a:prstGeom prst="line">
@@ -11319,7 +11332,7 @@
         </p:nvCxnSpPr>
         <p:spPr>
           <a:xfrm>
-            <a:off x="6193074" y="2516859"/>
+            <a:off x="5684529" y="5013480"/>
             <a:ext cx="156959" cy="162202"/>
           </a:xfrm>
           <a:prstGeom prst="line">
@@ -11355,7 +11368,7 @@
         </p:nvSpPr>
         <p:spPr>
           <a:xfrm>
-            <a:off x="3448740" y="2271201"/>
+            <a:off x="2940195" y="4767822"/>
             <a:ext cx="452063" cy="277402"/>
           </a:xfrm>
           <a:prstGeom prst="ellipse">
@@ -11401,7 +11414,7 @@
         </p:nvSpPr>
         <p:spPr>
           <a:xfrm>
-            <a:off x="3087432" y="2670180"/>
+            <a:off x="2578887" y="5166801"/>
             <a:ext cx="452063" cy="277402"/>
           </a:xfrm>
           <a:prstGeom prst="ellipse">
@@ -11447,7 +11460,7 @@
         </p:nvSpPr>
         <p:spPr>
           <a:xfrm>
-            <a:off x="3765527" y="2670180"/>
+            <a:off x="3256982" y="5166801"/>
             <a:ext cx="452063" cy="277402"/>
           </a:xfrm>
           <a:prstGeom prst="ellipse">
@@ -11497,7 +11510,7 @@
         </p:nvCxnSpPr>
         <p:spPr>
           <a:xfrm flipH="1">
-            <a:off x="3313464" y="2507978"/>
+            <a:off x="2804919" y="5004599"/>
             <a:ext cx="201479" cy="162202"/>
           </a:xfrm>
           <a:prstGeom prst="line">
@@ -11536,7 +11549,7 @@
         </p:nvCxnSpPr>
         <p:spPr>
           <a:xfrm>
-            <a:off x="3834600" y="2507978"/>
+            <a:off x="3326055" y="5004599"/>
             <a:ext cx="156959" cy="162202"/>
           </a:xfrm>
           <a:prstGeom prst="line">
@@ -11572,7 +11585,7 @@
         </p:nvSpPr>
         <p:spPr>
           <a:xfrm>
-            <a:off x="4607983" y="2369277"/>
+            <a:off x="4099438" y="4865898"/>
             <a:ext cx="452063" cy="277402"/>
           </a:xfrm>
           <a:prstGeom prst="ellipse">
@@ -11618,7 +11631,7 @@
         </p:nvSpPr>
         <p:spPr>
           <a:xfrm>
-            <a:off x="4246675" y="2768256"/>
+            <a:off x="3738130" y="5264877"/>
             <a:ext cx="452063" cy="277402"/>
           </a:xfrm>
           <a:prstGeom prst="ellipse">
@@ -11664,7 +11677,7 @@
         </p:nvSpPr>
         <p:spPr>
           <a:xfrm>
-            <a:off x="4924770" y="2768256"/>
+            <a:off x="4416225" y="5264877"/>
             <a:ext cx="452063" cy="277402"/>
           </a:xfrm>
           <a:prstGeom prst="ellipse">
@@ -11714,7 +11727,7 @@
         </p:nvCxnSpPr>
         <p:spPr>
           <a:xfrm flipH="1">
-            <a:off x="4472707" y="2606054"/>
+            <a:off x="3964162" y="5102675"/>
             <a:ext cx="201479" cy="162202"/>
           </a:xfrm>
           <a:prstGeom prst="line">
@@ -11753,7 +11766,7 @@
         </p:nvCxnSpPr>
         <p:spPr>
           <a:xfrm>
-            <a:off x="4993843" y="2606054"/>
+            <a:off x="4485298" y="5102675"/>
             <a:ext cx="156959" cy="162202"/>
           </a:xfrm>
           <a:prstGeom prst="line">
@@ -11792,7 +11805,7 @@
         </p:nvCxnSpPr>
         <p:spPr>
           <a:xfrm>
-            <a:off x="4866574" y="1953174"/>
+            <a:off x="4358029" y="4449795"/>
             <a:ext cx="1166672" cy="326908"/>
           </a:xfrm>
           <a:prstGeom prst="line">
@@ -11832,7 +11845,7 @@
         </p:nvCxnSpPr>
         <p:spPr>
           <a:xfrm>
-            <a:off x="4480714" y="2051250"/>
+            <a:off x="3972169" y="4547871"/>
             <a:ext cx="353301" cy="318027"/>
           </a:xfrm>
           <a:prstGeom prst="line">
@@ -11872,7 +11885,7 @@
         </p:nvCxnSpPr>
         <p:spPr>
           <a:xfrm flipH="1">
-            <a:off x="2436711" y="2004696"/>
+            <a:off x="1928166" y="4501317"/>
             <a:ext cx="382989" cy="266505"/>
           </a:xfrm>
           <a:prstGeom prst="line">
@@ -11912,7 +11925,7 @@
         </p:nvCxnSpPr>
         <p:spPr>
           <a:xfrm flipH="1" flipV="1">
-            <a:off x="3139357" y="2004696"/>
+            <a:off x="2630812" y="4501317"/>
             <a:ext cx="375586" cy="307130"/>
           </a:xfrm>
           <a:prstGeom prst="line">
@@ -11948,7 +11961,7 @@
         </p:nvSpPr>
         <p:spPr>
           <a:xfrm>
-            <a:off x="8482474" y="1478211"/>
+            <a:off x="7973929" y="3974832"/>
             <a:ext cx="452063" cy="277402"/>
           </a:xfrm>
           <a:prstGeom prst="ellipse">
@@ -11998,7 +12011,7 @@
         </p:nvSpPr>
         <p:spPr>
           <a:xfrm>
-            <a:off x="7790680" y="1877190"/>
+            <a:off x="7282135" y="4373811"/>
             <a:ext cx="452063" cy="277402"/>
           </a:xfrm>
           <a:prstGeom prst="ellipse">
@@ -12044,7 +12057,7 @@
         </p:nvSpPr>
         <p:spPr>
           <a:xfrm>
-            <a:off x="9451694" y="1923744"/>
+            <a:off x="8943149" y="4420365"/>
             <a:ext cx="452063" cy="277402"/>
           </a:xfrm>
           <a:prstGeom prst="ellipse">
@@ -12098,7 +12111,7 @@
         </p:nvCxnSpPr>
         <p:spPr>
           <a:xfrm flipH="1">
-            <a:off x="8016712" y="1714988"/>
+            <a:off x="7508167" y="4211609"/>
             <a:ext cx="531965" cy="162202"/>
           </a:xfrm>
           <a:prstGeom prst="line">
@@ -12137,7 +12150,7 @@
         </p:nvCxnSpPr>
         <p:spPr>
           <a:xfrm>
-            <a:off x="8868334" y="1714988"/>
+            <a:off x="8359789" y="4211609"/>
             <a:ext cx="809392" cy="208756"/>
           </a:xfrm>
           <a:prstGeom prst="line">
@@ -12173,7 +12186,7 @@
         </p:nvSpPr>
         <p:spPr>
           <a:xfrm>
-            <a:off x="7247862" y="2380472"/>
+            <a:off x="6739317" y="4877093"/>
             <a:ext cx="452063" cy="277402"/>
           </a:xfrm>
           <a:prstGeom prst="ellipse">
@@ -12219,7 +12232,7 @@
         </p:nvSpPr>
         <p:spPr>
           <a:xfrm>
-            <a:off x="6886554" y="2779451"/>
+            <a:off x="6378009" y="5276072"/>
             <a:ext cx="452063" cy="277402"/>
           </a:xfrm>
           <a:prstGeom prst="ellipse">
@@ -12265,7 +12278,7 @@
         </p:nvSpPr>
         <p:spPr>
           <a:xfrm>
-            <a:off x="7564649" y="2779451"/>
+            <a:off x="7056104" y="5276072"/>
             <a:ext cx="452063" cy="277402"/>
           </a:xfrm>
           <a:prstGeom prst="ellipse">
@@ -12315,7 +12328,7 @@
         </p:nvCxnSpPr>
         <p:spPr>
           <a:xfrm flipH="1">
-            <a:off x="7112586" y="2617249"/>
+            <a:off x="6604041" y="5113870"/>
             <a:ext cx="201479" cy="162202"/>
           </a:xfrm>
           <a:prstGeom prst="line">
@@ -12354,7 +12367,7 @@
         </p:nvCxnSpPr>
         <p:spPr>
           <a:xfrm>
-            <a:off x="7633722" y="2617249"/>
+            <a:off x="7125177" y="5113870"/>
             <a:ext cx="156959" cy="162202"/>
           </a:xfrm>
           <a:prstGeom prst="line">
@@ -12390,7 +12403,7 @@
         </p:nvSpPr>
         <p:spPr>
           <a:xfrm>
-            <a:off x="10844397" y="2389353"/>
+            <a:off x="10335852" y="4885974"/>
             <a:ext cx="452063" cy="277402"/>
           </a:xfrm>
           <a:prstGeom prst="ellipse">
@@ -12440,7 +12453,7 @@
         </p:nvSpPr>
         <p:spPr>
           <a:xfrm>
-            <a:off x="10483089" y="2788332"/>
+            <a:off x="9974544" y="5284953"/>
             <a:ext cx="452063" cy="277402"/>
           </a:xfrm>
           <a:prstGeom prst="ellipse">
@@ -12486,7 +12499,7 @@
         </p:nvSpPr>
         <p:spPr>
           <a:xfrm>
-            <a:off x="11161184" y="2788332"/>
+            <a:off x="10652639" y="5284953"/>
             <a:ext cx="452063" cy="277402"/>
           </a:xfrm>
           <a:prstGeom prst="ellipse">
@@ -12536,7 +12549,7 @@
         </p:nvCxnSpPr>
         <p:spPr>
           <a:xfrm flipH="1">
-            <a:off x="10709121" y="2626130"/>
+            <a:off x="10200576" y="5122751"/>
             <a:ext cx="201479" cy="162202"/>
           </a:xfrm>
           <a:prstGeom prst="line">
@@ -12575,7 +12588,7 @@
         </p:nvCxnSpPr>
         <p:spPr>
           <a:xfrm>
-            <a:off x="11230257" y="2626130"/>
+            <a:off x="10721712" y="5122751"/>
             <a:ext cx="156959" cy="162202"/>
           </a:xfrm>
           <a:prstGeom prst="line">
@@ -12611,7 +12624,7 @@
         </p:nvSpPr>
         <p:spPr>
           <a:xfrm>
-            <a:off x="8485923" y="2380472"/>
+            <a:off x="7977378" y="4877093"/>
             <a:ext cx="452063" cy="277402"/>
           </a:xfrm>
           <a:prstGeom prst="ellipse">
@@ -12657,7 +12670,7 @@
         </p:nvSpPr>
         <p:spPr>
           <a:xfrm>
-            <a:off x="8124615" y="2779451"/>
+            <a:off x="7616070" y="5276072"/>
             <a:ext cx="452063" cy="277402"/>
           </a:xfrm>
           <a:prstGeom prst="ellipse">
@@ -12703,7 +12716,7 @@
         </p:nvSpPr>
         <p:spPr>
           <a:xfrm>
-            <a:off x="8802710" y="2779451"/>
+            <a:off x="8294165" y="5276072"/>
             <a:ext cx="452063" cy="277402"/>
           </a:xfrm>
           <a:prstGeom prst="ellipse">
@@ -12753,7 +12766,7 @@
         </p:nvCxnSpPr>
         <p:spPr>
           <a:xfrm flipH="1">
-            <a:off x="8350647" y="2617249"/>
+            <a:off x="7842102" y="5113870"/>
             <a:ext cx="201479" cy="162202"/>
           </a:xfrm>
           <a:prstGeom prst="line">
@@ -12792,7 +12805,7 @@
         </p:nvCxnSpPr>
         <p:spPr>
           <a:xfrm>
-            <a:off x="8871783" y="2617249"/>
+            <a:off x="8363238" y="5113870"/>
             <a:ext cx="156959" cy="162202"/>
           </a:xfrm>
           <a:prstGeom prst="line">
@@ -12828,7 +12841,7 @@
         </p:nvSpPr>
         <p:spPr>
           <a:xfrm>
-            <a:off x="9645166" y="2478548"/>
+            <a:off x="9136621" y="4975169"/>
             <a:ext cx="452063" cy="277402"/>
           </a:xfrm>
           <a:prstGeom prst="ellipse">
@@ -12874,7 +12887,7 @@
         </p:nvSpPr>
         <p:spPr>
           <a:xfrm>
-            <a:off x="9283858" y="2877527"/>
+            <a:off x="8775313" y="5374148"/>
             <a:ext cx="452063" cy="277402"/>
           </a:xfrm>
           <a:prstGeom prst="ellipse">
@@ -12920,7 +12933,7 @@
         </p:nvSpPr>
         <p:spPr>
           <a:xfrm>
-            <a:off x="9961953" y="2877527"/>
+            <a:off x="9453408" y="5374148"/>
             <a:ext cx="452063" cy="277402"/>
           </a:xfrm>
           <a:prstGeom prst="ellipse">
@@ -12970,7 +12983,7 @@
         </p:nvCxnSpPr>
         <p:spPr>
           <a:xfrm flipH="1">
-            <a:off x="9509890" y="2715325"/>
+            <a:off x="9001345" y="5211946"/>
             <a:ext cx="201479" cy="162202"/>
           </a:xfrm>
           <a:prstGeom prst="line">
@@ -13009,7 +13022,7 @@
         </p:nvCxnSpPr>
         <p:spPr>
           <a:xfrm>
-            <a:off x="10031026" y="2715325"/>
+            <a:off x="9522481" y="5211946"/>
             <a:ext cx="156959" cy="162202"/>
           </a:xfrm>
           <a:prstGeom prst="line">
@@ -13048,7 +13061,7 @@
         </p:nvCxnSpPr>
         <p:spPr>
           <a:xfrm>
-            <a:off x="9903757" y="2062445"/>
+            <a:off x="9395212" y="4559066"/>
             <a:ext cx="1166672" cy="326908"/>
           </a:xfrm>
           <a:prstGeom prst="line">
@@ -13088,7 +13101,7 @@
         </p:nvCxnSpPr>
         <p:spPr>
           <a:xfrm>
-            <a:off x="9517897" y="2160521"/>
+            <a:off x="9009352" y="4657142"/>
             <a:ext cx="353301" cy="318027"/>
           </a:xfrm>
           <a:prstGeom prst="line">
@@ -13128,7 +13141,7 @@
         </p:nvCxnSpPr>
         <p:spPr>
           <a:xfrm flipH="1">
-            <a:off x="7473894" y="2113967"/>
+            <a:off x="6965349" y="4610588"/>
             <a:ext cx="382989" cy="266505"/>
           </a:xfrm>
           <a:prstGeom prst="line">
@@ -13168,7 +13181,7 @@
         </p:nvCxnSpPr>
         <p:spPr>
           <a:xfrm flipH="1" flipV="1">
-            <a:off x="8176540" y="2113967"/>
+            <a:off x="7667995" y="4610588"/>
             <a:ext cx="375586" cy="307130"/>
           </a:xfrm>
           <a:prstGeom prst="line">
@@ -13208,7 +13221,7 @@
         </p:nvCxnSpPr>
         <p:spPr>
           <a:xfrm flipH="1">
-            <a:off x="3671323" y="562872"/>
+            <a:off x="3162778" y="3059493"/>
             <a:ext cx="2155040" cy="806068"/>
           </a:xfrm>
           <a:prstGeom prst="line">
@@ -13244,7 +13257,7 @@
         </p:nvSpPr>
         <p:spPr>
           <a:xfrm>
-            <a:off x="5760160" y="326095"/>
+            <a:off x="5251615" y="2822716"/>
             <a:ext cx="452063" cy="277402"/>
           </a:xfrm>
           <a:prstGeom prst="ellipse">
@@ -13298,7 +13311,7 @@
         </p:nvCxnSpPr>
         <p:spPr>
           <a:xfrm>
-            <a:off x="6146020" y="562872"/>
+            <a:off x="5637475" y="3059493"/>
             <a:ext cx="2402657" cy="955964"/>
           </a:xfrm>
           <a:prstGeom prst="line">
@@ -13322,3893 +13335,171 @@
       </p:cxnSp>
       <p:sp>
         <p:nvSpPr>
-          <p:cNvPr id="160" name="타원 159">
-            <a:extLst>
-              <a:ext uri="{FF2B5EF4-FFF2-40B4-BE49-F238E27FC236}">
-                <a16:creationId xmlns:a16="http://schemas.microsoft.com/office/drawing/2014/main" id="{45D84139-1B80-E154-9E24-B38BCACAD9E9}"/>
-              </a:ext>
-            </a:extLst>
-          </p:cNvPr>
-          <p:cNvSpPr/>
-          <p:nvPr/>
-        </p:nvSpPr>
-        <p:spPr>
-          <a:xfrm>
-            <a:off x="5741011" y="3455832"/>
-            <a:ext cx="452063" cy="277402"/>
-          </a:xfrm>
-          <a:prstGeom prst="ellipse">
-            <a:avLst/>
-          </a:prstGeom>
-        </p:spPr>
-        <p:style>
-          <a:lnRef idx="2">
-            <a:schemeClr val="accent1">
-              <a:shade val="15000"/>
-            </a:schemeClr>
-          </a:lnRef>
-          <a:fillRef idx="1">
-            <a:schemeClr val="accent1"/>
-          </a:fillRef>
-          <a:effectRef idx="0">
-            <a:schemeClr val="accent1"/>
-          </a:effectRef>
-          <a:fontRef idx="minor">
-            <a:schemeClr val="lt1"/>
-          </a:fontRef>
-        </p:style>
-        <p:txBody>
-          <a:bodyPr rtlCol="0" anchor="ctr"/>
-          <a:lstStyle/>
-          <a:p>
-            <a:pPr algn="ctr"/>
+          <p:cNvPr id="2" name="TextBox 1">
+            <a:extLst>
+              <a:ext uri="{FF2B5EF4-FFF2-40B4-BE49-F238E27FC236}">
+                <a16:creationId xmlns:a16="http://schemas.microsoft.com/office/drawing/2014/main" id="{D2415A94-BAD3-094B-3F4A-AA53F22F694B}"/>
+              </a:ext>
+            </a:extLst>
+          </p:cNvPr>
+          <p:cNvSpPr txBox="1"/>
+          <p:nvPr/>
+        </p:nvSpPr>
+        <p:spPr>
+          <a:xfrm>
+            <a:off x="1340826" y="737447"/>
+            <a:ext cx="10210247" cy="1477328"/>
+          </a:xfrm>
+          <a:prstGeom prst="rect">
+            <a:avLst/>
+          </a:prstGeom>
+          <a:noFill/>
+        </p:spPr>
+        <p:txBody>
+          <a:bodyPr wrap="square" rtlCol="0">
+            <a:spAutoFit/>
+          </a:bodyPr>
+          <a:lstStyle/>
+          <a:p>
             <a:r>
               <a:rPr lang="en-US" altLang="ko-KR" dirty="0"/>
-              <a:t>4</a:t>
-            </a:r>
-            <a:endParaRPr lang="ko-KR" altLang="en-US" dirty="0"/>
-          </a:p>
-        </p:txBody>
-      </p:sp>
-      <p:sp>
-        <p:nvSpPr>
-          <p:cNvPr id="161" name="타원 160">
-            <a:extLst>
-              <a:ext uri="{FF2B5EF4-FFF2-40B4-BE49-F238E27FC236}">
-                <a16:creationId xmlns:a16="http://schemas.microsoft.com/office/drawing/2014/main" id="{A92B2D74-A072-31D6-74BC-2366395E7804}"/>
-              </a:ext>
-            </a:extLst>
-          </p:cNvPr>
-          <p:cNvSpPr/>
-          <p:nvPr/>
-        </p:nvSpPr>
-        <p:spPr>
-          <a:xfrm>
-            <a:off x="5049217" y="3854811"/>
-            <a:ext cx="452063" cy="277402"/>
-          </a:xfrm>
-          <a:prstGeom prst="ellipse">
-            <a:avLst/>
-          </a:prstGeom>
-        </p:spPr>
-        <p:style>
-          <a:lnRef idx="2">
-            <a:schemeClr val="accent1">
-              <a:shade val="15000"/>
-            </a:schemeClr>
-          </a:lnRef>
-          <a:fillRef idx="1">
-            <a:schemeClr val="accent1"/>
-          </a:fillRef>
-          <a:effectRef idx="0">
-            <a:schemeClr val="accent1"/>
-          </a:effectRef>
-          <a:fontRef idx="minor">
-            <a:schemeClr val="lt1"/>
-          </a:fontRef>
-        </p:style>
-        <p:txBody>
-          <a:bodyPr rtlCol="0" anchor="ctr"/>
-          <a:lstStyle/>
-          <a:p>
-            <a:pPr algn="ctr"/>
-            <a:endParaRPr lang="ko-KR" altLang="en-US"/>
-          </a:p>
-        </p:txBody>
-      </p:sp>
-      <p:sp>
-        <p:nvSpPr>
-          <p:cNvPr id="162" name="타원 161">
-            <a:extLst>
-              <a:ext uri="{FF2B5EF4-FFF2-40B4-BE49-F238E27FC236}">
-                <a16:creationId xmlns:a16="http://schemas.microsoft.com/office/drawing/2014/main" id="{6CC9C04C-D937-0C33-58AE-D9B554D40DFF}"/>
-              </a:ext>
-            </a:extLst>
-          </p:cNvPr>
-          <p:cNvSpPr/>
-          <p:nvPr/>
-        </p:nvSpPr>
-        <p:spPr>
-          <a:xfrm>
-            <a:off x="6710231" y="3901365"/>
-            <a:ext cx="452063" cy="277402"/>
-          </a:xfrm>
-          <a:prstGeom prst="ellipse">
-            <a:avLst/>
-          </a:prstGeom>
-        </p:spPr>
-        <p:style>
-          <a:lnRef idx="2">
-            <a:schemeClr val="accent1">
-              <a:shade val="15000"/>
-            </a:schemeClr>
-          </a:lnRef>
-          <a:fillRef idx="1">
-            <a:schemeClr val="accent1"/>
-          </a:fillRef>
-          <a:effectRef idx="0">
-            <a:schemeClr val="accent1"/>
-          </a:effectRef>
-          <a:fontRef idx="minor">
-            <a:schemeClr val="lt1"/>
-          </a:fontRef>
-        </p:style>
-        <p:txBody>
-          <a:bodyPr rtlCol="0" anchor="ctr"/>
-          <a:lstStyle/>
-          <a:p>
-            <a:pPr algn="ctr"/>
+              <a:t>F5 </a:t>
+            </a:r>
+            <a:r>
+              <a:rPr lang="ko-KR" altLang="en-US" dirty="0"/>
+              <a:t>등급이 </a:t>
+            </a:r>
             <a:r>
               <a:rPr lang="en-US" altLang="ko-KR" dirty="0"/>
-              <a:t>3</a:t>
-            </a:r>
-            <a:endParaRPr lang="ko-KR" altLang="en-US" dirty="0"/>
-          </a:p>
-        </p:txBody>
-      </p:sp>
-      <p:cxnSp>
-        <p:nvCxnSpPr>
-          <p:cNvPr id="163" name="직선 연결선 162">
-            <a:extLst>
-              <a:ext uri="{FF2B5EF4-FFF2-40B4-BE49-F238E27FC236}">
-                <a16:creationId xmlns:a16="http://schemas.microsoft.com/office/drawing/2014/main" id="{F4421EDE-F59A-F71E-0E72-169F86478261}"/>
-              </a:ext>
-            </a:extLst>
-          </p:cNvPr>
-          <p:cNvCxnSpPr>
-            <a:cxnSpLocks/>
-            <a:stCxn id="160" idx="3"/>
-            <a:endCxn id="161" idx="0"/>
-          </p:cNvCxnSpPr>
-          <p:nvPr/>
-        </p:nvCxnSpPr>
-        <p:spPr>
-          <a:xfrm flipH="1">
-            <a:off x="5275249" y="3692609"/>
-            <a:ext cx="531965" cy="162202"/>
-          </a:xfrm>
-          <a:prstGeom prst="line">
-            <a:avLst/>
-          </a:prstGeom>
-        </p:spPr>
-        <p:style>
-          <a:lnRef idx="1">
-            <a:schemeClr val="accent1"/>
-          </a:lnRef>
-          <a:fillRef idx="0">
-            <a:schemeClr val="accent1"/>
-          </a:fillRef>
-          <a:effectRef idx="0">
-            <a:schemeClr val="accent1"/>
-          </a:effectRef>
-          <a:fontRef idx="minor">
-            <a:schemeClr val="tx1"/>
-          </a:fontRef>
-        </p:style>
-      </p:cxnSp>
-      <p:cxnSp>
-        <p:nvCxnSpPr>
-          <p:cNvPr id="164" name="직선 연결선 163">
-            <a:extLst>
-              <a:ext uri="{FF2B5EF4-FFF2-40B4-BE49-F238E27FC236}">
-                <a16:creationId xmlns:a16="http://schemas.microsoft.com/office/drawing/2014/main" id="{9F40A732-2314-5A22-7069-86F242EE12F6}"/>
-              </a:ext>
-            </a:extLst>
-          </p:cNvPr>
-          <p:cNvCxnSpPr>
-            <a:stCxn id="160" idx="5"/>
-            <a:endCxn id="162" idx="0"/>
-          </p:cNvCxnSpPr>
-          <p:nvPr/>
-        </p:nvCxnSpPr>
-        <p:spPr>
-          <a:xfrm>
-            <a:off x="6126871" y="3692609"/>
-            <a:ext cx="809392" cy="208756"/>
-          </a:xfrm>
-          <a:prstGeom prst="line">
-            <a:avLst/>
-          </a:prstGeom>
-        </p:spPr>
-        <p:style>
-          <a:lnRef idx="1">
-            <a:schemeClr val="accent1"/>
-          </a:lnRef>
-          <a:fillRef idx="0">
-            <a:schemeClr val="accent1"/>
-          </a:fillRef>
-          <a:effectRef idx="0">
-            <a:schemeClr val="accent1"/>
-          </a:effectRef>
-          <a:fontRef idx="minor">
-            <a:schemeClr val="tx1"/>
-          </a:fontRef>
-        </p:style>
-      </p:cxnSp>
-      <p:sp>
-        <p:nvSpPr>
-          <p:cNvPr id="165" name="타원 164">
-            <a:extLst>
-              <a:ext uri="{FF2B5EF4-FFF2-40B4-BE49-F238E27FC236}">
-                <a16:creationId xmlns:a16="http://schemas.microsoft.com/office/drawing/2014/main" id="{5813E0F7-482B-1A58-1C41-A8C610EDE707}"/>
-              </a:ext>
-            </a:extLst>
-          </p:cNvPr>
-          <p:cNvSpPr/>
-          <p:nvPr/>
-        </p:nvSpPr>
-        <p:spPr>
-          <a:xfrm>
-            <a:off x="4506399" y="4358093"/>
-            <a:ext cx="452063" cy="277402"/>
-          </a:xfrm>
-          <a:prstGeom prst="ellipse">
-            <a:avLst/>
-          </a:prstGeom>
-        </p:spPr>
-        <p:style>
-          <a:lnRef idx="2">
-            <a:schemeClr val="accent1">
-              <a:shade val="15000"/>
-            </a:schemeClr>
-          </a:lnRef>
-          <a:fillRef idx="1">
-            <a:schemeClr val="accent1"/>
-          </a:fillRef>
-          <a:effectRef idx="0">
-            <a:schemeClr val="accent1"/>
-          </a:effectRef>
-          <a:fontRef idx="minor">
-            <a:schemeClr val="lt1"/>
-          </a:fontRef>
-        </p:style>
-        <p:txBody>
-          <a:bodyPr rtlCol="0" anchor="ctr"/>
-          <a:lstStyle/>
-          <a:p>
-            <a:pPr algn="ctr"/>
-            <a:endParaRPr lang="ko-KR" altLang="en-US"/>
-          </a:p>
-        </p:txBody>
-      </p:sp>
-      <p:sp>
-        <p:nvSpPr>
-          <p:cNvPr id="166" name="타원 165">
-            <a:extLst>
-              <a:ext uri="{FF2B5EF4-FFF2-40B4-BE49-F238E27FC236}">
-                <a16:creationId xmlns:a16="http://schemas.microsoft.com/office/drawing/2014/main" id="{E692895F-7718-C140-99E0-E49EBFC1C95B}"/>
-              </a:ext>
-            </a:extLst>
-          </p:cNvPr>
-          <p:cNvSpPr/>
-          <p:nvPr/>
-        </p:nvSpPr>
-        <p:spPr>
-          <a:xfrm>
-            <a:off x="4145091" y="4757072"/>
-            <a:ext cx="452063" cy="277402"/>
-          </a:xfrm>
-          <a:prstGeom prst="ellipse">
-            <a:avLst/>
-          </a:prstGeom>
-        </p:spPr>
-        <p:style>
-          <a:lnRef idx="2">
-            <a:schemeClr val="accent1">
-              <a:shade val="15000"/>
-            </a:schemeClr>
-          </a:lnRef>
-          <a:fillRef idx="1">
-            <a:schemeClr val="accent1"/>
-          </a:fillRef>
-          <a:effectRef idx="0">
-            <a:schemeClr val="accent1"/>
-          </a:effectRef>
-          <a:fontRef idx="minor">
-            <a:schemeClr val="lt1"/>
-          </a:fontRef>
-        </p:style>
-        <p:txBody>
-          <a:bodyPr rtlCol="0" anchor="ctr"/>
-          <a:lstStyle/>
-          <a:p>
-            <a:pPr algn="ctr"/>
-            <a:endParaRPr lang="ko-KR" altLang="en-US"/>
-          </a:p>
-        </p:txBody>
-      </p:sp>
-      <p:sp>
-        <p:nvSpPr>
-          <p:cNvPr id="167" name="타원 166">
-            <a:extLst>
-              <a:ext uri="{FF2B5EF4-FFF2-40B4-BE49-F238E27FC236}">
-                <a16:creationId xmlns:a16="http://schemas.microsoft.com/office/drawing/2014/main" id="{5D3FAB78-044F-B01F-4D32-C7F60E5D5CD5}"/>
-              </a:ext>
-            </a:extLst>
-          </p:cNvPr>
-          <p:cNvSpPr/>
-          <p:nvPr/>
-        </p:nvSpPr>
-        <p:spPr>
-          <a:xfrm>
-            <a:off x="4823186" y="4757072"/>
-            <a:ext cx="452063" cy="277402"/>
-          </a:xfrm>
-          <a:prstGeom prst="ellipse">
-            <a:avLst/>
-          </a:prstGeom>
-        </p:spPr>
-        <p:style>
-          <a:lnRef idx="2">
-            <a:schemeClr val="accent1">
-              <a:shade val="15000"/>
-            </a:schemeClr>
-          </a:lnRef>
-          <a:fillRef idx="1">
-            <a:schemeClr val="accent1"/>
-          </a:fillRef>
-          <a:effectRef idx="0">
-            <a:schemeClr val="accent1"/>
-          </a:effectRef>
-          <a:fontRef idx="minor">
-            <a:schemeClr val="lt1"/>
-          </a:fontRef>
-        </p:style>
-        <p:txBody>
-          <a:bodyPr rtlCol="0" anchor="ctr"/>
-          <a:lstStyle/>
-          <a:p>
-            <a:pPr algn="ctr"/>
-            <a:endParaRPr lang="ko-KR" altLang="en-US"/>
-          </a:p>
-        </p:txBody>
-      </p:sp>
-      <p:cxnSp>
-        <p:nvCxnSpPr>
-          <p:cNvPr id="168" name="직선 연결선 167">
-            <a:extLst>
-              <a:ext uri="{FF2B5EF4-FFF2-40B4-BE49-F238E27FC236}">
-                <a16:creationId xmlns:a16="http://schemas.microsoft.com/office/drawing/2014/main" id="{B4EA9199-519F-104C-0AA4-B16204A14CC1}"/>
-              </a:ext>
-            </a:extLst>
-          </p:cNvPr>
-          <p:cNvCxnSpPr>
-            <a:cxnSpLocks/>
-            <a:stCxn id="165" idx="3"/>
-            <a:endCxn id="166" idx="0"/>
-          </p:cNvCxnSpPr>
-          <p:nvPr/>
-        </p:nvCxnSpPr>
-        <p:spPr>
-          <a:xfrm flipH="1">
-            <a:off x="4371123" y="4594870"/>
-            <a:ext cx="201479" cy="162202"/>
-          </a:xfrm>
-          <a:prstGeom prst="line">
-            <a:avLst/>
-          </a:prstGeom>
-        </p:spPr>
-        <p:style>
-          <a:lnRef idx="1">
-            <a:schemeClr val="accent1"/>
-          </a:lnRef>
-          <a:fillRef idx="0">
-            <a:schemeClr val="accent1"/>
-          </a:fillRef>
-          <a:effectRef idx="0">
-            <a:schemeClr val="accent1"/>
-          </a:effectRef>
-          <a:fontRef idx="minor">
-            <a:schemeClr val="tx1"/>
-          </a:fontRef>
-        </p:style>
-      </p:cxnSp>
-      <p:cxnSp>
-        <p:nvCxnSpPr>
-          <p:cNvPr id="169" name="직선 연결선 168">
-            <a:extLst>
-              <a:ext uri="{FF2B5EF4-FFF2-40B4-BE49-F238E27FC236}">
-                <a16:creationId xmlns:a16="http://schemas.microsoft.com/office/drawing/2014/main" id="{E7B2CD20-1FBE-3BB7-7847-D15CDA202090}"/>
-              </a:ext>
-            </a:extLst>
-          </p:cNvPr>
-          <p:cNvCxnSpPr>
-            <a:stCxn id="165" idx="5"/>
-            <a:endCxn id="167" idx="0"/>
-          </p:cNvCxnSpPr>
-          <p:nvPr/>
-        </p:nvCxnSpPr>
-        <p:spPr>
-          <a:xfrm>
-            <a:off x="4892259" y="4594870"/>
-            <a:ext cx="156959" cy="162202"/>
-          </a:xfrm>
-          <a:prstGeom prst="line">
-            <a:avLst/>
-          </a:prstGeom>
-        </p:spPr>
-        <p:style>
-          <a:lnRef idx="1">
-            <a:schemeClr val="accent1"/>
-          </a:lnRef>
-          <a:fillRef idx="0">
-            <a:schemeClr val="accent1"/>
-          </a:fillRef>
-          <a:effectRef idx="0">
-            <a:schemeClr val="accent1"/>
-          </a:effectRef>
-          <a:fontRef idx="minor">
-            <a:schemeClr val="tx1"/>
-          </a:fontRef>
-        </p:style>
-      </p:cxnSp>
-      <p:sp>
-        <p:nvSpPr>
-          <p:cNvPr id="170" name="타원 169">
-            <a:extLst>
-              <a:ext uri="{FF2B5EF4-FFF2-40B4-BE49-F238E27FC236}">
-                <a16:creationId xmlns:a16="http://schemas.microsoft.com/office/drawing/2014/main" id="{54B0A342-C43A-7A6F-8FA2-2E7B958C318F}"/>
-              </a:ext>
-            </a:extLst>
-          </p:cNvPr>
-          <p:cNvSpPr/>
-          <p:nvPr/>
-        </p:nvSpPr>
-        <p:spPr>
-          <a:xfrm>
-            <a:off x="8102934" y="4366974"/>
-            <a:ext cx="452063" cy="277402"/>
-          </a:xfrm>
-          <a:prstGeom prst="ellipse">
-            <a:avLst/>
-          </a:prstGeom>
-        </p:spPr>
-        <p:style>
-          <a:lnRef idx="2">
-            <a:schemeClr val="accent1">
-              <a:shade val="15000"/>
-            </a:schemeClr>
-          </a:lnRef>
-          <a:fillRef idx="1">
-            <a:schemeClr val="accent1"/>
-          </a:fillRef>
-          <a:effectRef idx="0">
-            <a:schemeClr val="accent1"/>
-          </a:effectRef>
-          <a:fontRef idx="minor">
-            <a:schemeClr val="lt1"/>
-          </a:fontRef>
-        </p:style>
-        <p:txBody>
-          <a:bodyPr rtlCol="0" anchor="ctr"/>
-          <a:lstStyle/>
-          <a:p>
-            <a:pPr algn="ctr"/>
+              <a:t>2:1</a:t>
+            </a:r>
+            <a:r>
+              <a:rPr lang="ko-KR" altLang="en-US" dirty="0"/>
+              <a:t>로 배치</a:t>
+            </a:r>
+            <a:r>
+              <a:rPr lang="en-US" altLang="ko-KR" dirty="0"/>
+              <a:t>, </a:t>
+            </a:r>
+          </a:p>
+          <a:p>
+            <a:r>
+              <a:rPr lang="ko-KR" altLang="en-US" dirty="0"/>
+              <a:t>   </a:t>
+            </a:r>
+            <a:r>
+              <a:rPr lang="en-US" altLang="ko-KR" dirty="0"/>
+              <a:t>- </a:t>
+            </a:r>
+            <a:r>
+              <a:rPr lang="ko-KR" altLang="en-US" dirty="0"/>
+              <a:t>좌측에 </a:t>
+            </a:r>
+            <a:r>
+              <a:rPr lang="en-US" altLang="ko-KR" dirty="0"/>
+              <a:t>F5</a:t>
+            </a:r>
+            <a:r>
+              <a:rPr lang="ko-KR" altLang="en-US" dirty="0"/>
+              <a:t>등급이 </a:t>
+            </a:r>
             <a:r>
               <a:rPr lang="en-US" altLang="ko-KR" dirty="0"/>
               <a:t>2</a:t>
             </a:r>
-            <a:endParaRPr lang="ko-KR" altLang="en-US" dirty="0"/>
-          </a:p>
-        </p:txBody>
-      </p:sp>
-      <p:sp>
-        <p:nvSpPr>
-          <p:cNvPr id="171" name="타원 170">
-            <a:extLst>
-              <a:ext uri="{FF2B5EF4-FFF2-40B4-BE49-F238E27FC236}">
-                <a16:creationId xmlns:a16="http://schemas.microsoft.com/office/drawing/2014/main" id="{FA3B9043-470A-9AF8-140E-690F6F7CB7DD}"/>
-              </a:ext>
-            </a:extLst>
-          </p:cNvPr>
-          <p:cNvSpPr/>
-          <p:nvPr/>
-        </p:nvSpPr>
-        <p:spPr>
-          <a:xfrm>
-            <a:off x="7741626" y="4765953"/>
-            <a:ext cx="452063" cy="277402"/>
-          </a:xfrm>
-          <a:prstGeom prst="ellipse">
-            <a:avLst/>
-          </a:prstGeom>
-        </p:spPr>
-        <p:style>
-          <a:lnRef idx="2">
-            <a:schemeClr val="accent1">
-              <a:shade val="15000"/>
-            </a:schemeClr>
-          </a:lnRef>
-          <a:fillRef idx="1">
-            <a:schemeClr val="accent1"/>
-          </a:fillRef>
-          <a:effectRef idx="0">
-            <a:schemeClr val="accent1"/>
-          </a:effectRef>
-          <a:fontRef idx="minor">
-            <a:schemeClr val="lt1"/>
-          </a:fontRef>
-        </p:style>
-        <p:txBody>
-          <a:bodyPr rtlCol="0" anchor="ctr"/>
-          <a:lstStyle/>
-          <a:p>
-            <a:pPr algn="ctr"/>
-            <a:endParaRPr lang="ko-KR" altLang="en-US"/>
-          </a:p>
-        </p:txBody>
-      </p:sp>
-      <p:sp>
-        <p:nvSpPr>
-          <p:cNvPr id="172" name="타원 171">
-            <a:extLst>
-              <a:ext uri="{FF2B5EF4-FFF2-40B4-BE49-F238E27FC236}">
-                <a16:creationId xmlns:a16="http://schemas.microsoft.com/office/drawing/2014/main" id="{DDA3F904-FC8C-AD7D-5990-1707C58CC7E0}"/>
-              </a:ext>
-            </a:extLst>
-          </p:cNvPr>
-          <p:cNvSpPr/>
-          <p:nvPr/>
-        </p:nvSpPr>
-        <p:spPr>
-          <a:xfrm>
-            <a:off x="8419721" y="4765953"/>
-            <a:ext cx="452063" cy="277402"/>
-          </a:xfrm>
-          <a:prstGeom prst="ellipse">
-            <a:avLst/>
-          </a:prstGeom>
-        </p:spPr>
-        <p:style>
-          <a:lnRef idx="2">
-            <a:schemeClr val="accent1">
-              <a:shade val="15000"/>
-            </a:schemeClr>
-          </a:lnRef>
-          <a:fillRef idx="1">
-            <a:schemeClr val="accent1"/>
-          </a:fillRef>
-          <a:effectRef idx="0">
-            <a:schemeClr val="accent1"/>
-          </a:effectRef>
-          <a:fontRef idx="minor">
-            <a:schemeClr val="lt1"/>
-          </a:fontRef>
-        </p:style>
-        <p:txBody>
-          <a:bodyPr rtlCol="0" anchor="ctr"/>
-          <a:lstStyle/>
-          <a:p>
-            <a:pPr algn="ctr"/>
-            <a:endParaRPr lang="ko-KR" altLang="en-US"/>
-          </a:p>
-        </p:txBody>
-      </p:sp>
-      <p:cxnSp>
-        <p:nvCxnSpPr>
-          <p:cNvPr id="173" name="직선 연결선 172">
-            <a:extLst>
-              <a:ext uri="{FF2B5EF4-FFF2-40B4-BE49-F238E27FC236}">
-                <a16:creationId xmlns:a16="http://schemas.microsoft.com/office/drawing/2014/main" id="{9DA6C5B9-F8F7-6755-40C3-DD9714E30B34}"/>
-              </a:ext>
-            </a:extLst>
-          </p:cNvPr>
-          <p:cNvCxnSpPr>
-            <a:cxnSpLocks/>
-            <a:stCxn id="170" idx="3"/>
-            <a:endCxn id="171" idx="0"/>
-          </p:cNvCxnSpPr>
-          <p:nvPr/>
-        </p:nvCxnSpPr>
-        <p:spPr>
-          <a:xfrm flipH="1">
-            <a:off x="7967658" y="4603751"/>
-            <a:ext cx="201479" cy="162202"/>
-          </a:xfrm>
-          <a:prstGeom prst="line">
-            <a:avLst/>
-          </a:prstGeom>
-        </p:spPr>
-        <p:style>
-          <a:lnRef idx="1">
-            <a:schemeClr val="accent1"/>
-          </a:lnRef>
-          <a:fillRef idx="0">
-            <a:schemeClr val="accent1"/>
-          </a:fillRef>
-          <a:effectRef idx="0">
-            <a:schemeClr val="accent1"/>
-          </a:effectRef>
-          <a:fontRef idx="minor">
-            <a:schemeClr val="tx1"/>
-          </a:fontRef>
-        </p:style>
-      </p:cxnSp>
-      <p:cxnSp>
-        <p:nvCxnSpPr>
-          <p:cNvPr id="174" name="직선 연결선 173">
-            <a:extLst>
-              <a:ext uri="{FF2B5EF4-FFF2-40B4-BE49-F238E27FC236}">
-                <a16:creationId xmlns:a16="http://schemas.microsoft.com/office/drawing/2014/main" id="{926BE99E-F5F0-7CDD-3932-C382FA2DC794}"/>
-              </a:ext>
-            </a:extLst>
-          </p:cNvPr>
-          <p:cNvCxnSpPr>
-            <a:stCxn id="170" idx="5"/>
-            <a:endCxn id="172" idx="0"/>
-          </p:cNvCxnSpPr>
-          <p:nvPr/>
-        </p:nvCxnSpPr>
-        <p:spPr>
-          <a:xfrm>
-            <a:off x="8488794" y="4603751"/>
-            <a:ext cx="156959" cy="162202"/>
-          </a:xfrm>
-          <a:prstGeom prst="line">
-            <a:avLst/>
-          </a:prstGeom>
-        </p:spPr>
-        <p:style>
-          <a:lnRef idx="1">
-            <a:schemeClr val="accent1"/>
-          </a:lnRef>
-          <a:fillRef idx="0">
-            <a:schemeClr val="accent1"/>
-          </a:fillRef>
-          <a:effectRef idx="0">
-            <a:schemeClr val="accent1"/>
-          </a:effectRef>
-          <a:fontRef idx="minor">
-            <a:schemeClr val="tx1"/>
-          </a:fontRef>
-        </p:style>
-      </p:cxnSp>
-      <p:sp>
-        <p:nvSpPr>
-          <p:cNvPr id="175" name="타원 174">
-            <a:extLst>
-              <a:ext uri="{FF2B5EF4-FFF2-40B4-BE49-F238E27FC236}">
-                <a16:creationId xmlns:a16="http://schemas.microsoft.com/office/drawing/2014/main" id="{893FEA8D-3597-14C8-EB1B-2C3FD87624C4}"/>
-              </a:ext>
-            </a:extLst>
-          </p:cNvPr>
-          <p:cNvSpPr/>
-          <p:nvPr/>
-        </p:nvSpPr>
-        <p:spPr>
-          <a:xfrm>
-            <a:off x="5744460" y="4358093"/>
-            <a:ext cx="452063" cy="277402"/>
-          </a:xfrm>
-          <a:prstGeom prst="ellipse">
-            <a:avLst/>
-          </a:prstGeom>
-        </p:spPr>
-        <p:style>
-          <a:lnRef idx="2">
-            <a:schemeClr val="accent1">
-              <a:shade val="15000"/>
-            </a:schemeClr>
-          </a:lnRef>
-          <a:fillRef idx="1">
-            <a:schemeClr val="accent1"/>
-          </a:fillRef>
-          <a:effectRef idx="0">
-            <a:schemeClr val="accent1"/>
-          </a:effectRef>
-          <a:fontRef idx="minor">
-            <a:schemeClr val="lt1"/>
-          </a:fontRef>
-        </p:style>
-        <p:txBody>
-          <a:bodyPr rtlCol="0" anchor="ctr"/>
-          <a:lstStyle/>
-          <a:p>
-            <a:pPr algn="ctr"/>
-            <a:endParaRPr lang="ko-KR" altLang="en-US"/>
-          </a:p>
-        </p:txBody>
-      </p:sp>
-      <p:sp>
-        <p:nvSpPr>
-          <p:cNvPr id="176" name="타원 175">
-            <a:extLst>
-              <a:ext uri="{FF2B5EF4-FFF2-40B4-BE49-F238E27FC236}">
-                <a16:creationId xmlns:a16="http://schemas.microsoft.com/office/drawing/2014/main" id="{AA32DBE6-6C92-3753-A745-1611E38DC3AA}"/>
-              </a:ext>
-            </a:extLst>
-          </p:cNvPr>
-          <p:cNvSpPr/>
-          <p:nvPr/>
-        </p:nvSpPr>
-        <p:spPr>
-          <a:xfrm>
-            <a:off x="5383152" y="4757072"/>
-            <a:ext cx="452063" cy="277402"/>
-          </a:xfrm>
-          <a:prstGeom prst="ellipse">
-            <a:avLst/>
-          </a:prstGeom>
-        </p:spPr>
-        <p:style>
-          <a:lnRef idx="2">
-            <a:schemeClr val="accent1">
-              <a:shade val="15000"/>
-            </a:schemeClr>
-          </a:lnRef>
-          <a:fillRef idx="1">
-            <a:schemeClr val="accent1"/>
-          </a:fillRef>
-          <a:effectRef idx="0">
-            <a:schemeClr val="accent1"/>
-          </a:effectRef>
-          <a:fontRef idx="minor">
-            <a:schemeClr val="lt1"/>
-          </a:fontRef>
-        </p:style>
-        <p:txBody>
-          <a:bodyPr rtlCol="0" anchor="ctr"/>
-          <a:lstStyle/>
-          <a:p>
-            <a:pPr algn="ctr"/>
-            <a:endParaRPr lang="ko-KR" altLang="en-US"/>
-          </a:p>
-        </p:txBody>
-      </p:sp>
-      <p:sp>
-        <p:nvSpPr>
-          <p:cNvPr id="177" name="타원 176">
-            <a:extLst>
-              <a:ext uri="{FF2B5EF4-FFF2-40B4-BE49-F238E27FC236}">
-                <a16:creationId xmlns:a16="http://schemas.microsoft.com/office/drawing/2014/main" id="{4B74A5CB-59A5-0494-7BB8-98A3942F8CD6}"/>
-              </a:ext>
-            </a:extLst>
-          </p:cNvPr>
-          <p:cNvSpPr/>
-          <p:nvPr/>
-        </p:nvSpPr>
-        <p:spPr>
-          <a:xfrm>
-            <a:off x="6061247" y="4757072"/>
-            <a:ext cx="452063" cy="277402"/>
-          </a:xfrm>
-          <a:prstGeom prst="ellipse">
-            <a:avLst/>
-          </a:prstGeom>
-        </p:spPr>
-        <p:style>
-          <a:lnRef idx="2">
-            <a:schemeClr val="accent1">
-              <a:shade val="15000"/>
-            </a:schemeClr>
-          </a:lnRef>
-          <a:fillRef idx="1">
-            <a:schemeClr val="accent1"/>
-          </a:fillRef>
-          <a:effectRef idx="0">
-            <a:schemeClr val="accent1"/>
-          </a:effectRef>
-          <a:fontRef idx="minor">
-            <a:schemeClr val="lt1"/>
-          </a:fontRef>
-        </p:style>
-        <p:txBody>
-          <a:bodyPr rtlCol="0" anchor="ctr"/>
-          <a:lstStyle/>
-          <a:p>
-            <a:pPr algn="ctr"/>
-            <a:endParaRPr lang="ko-KR" altLang="en-US"/>
-          </a:p>
-        </p:txBody>
-      </p:sp>
-      <p:cxnSp>
-        <p:nvCxnSpPr>
-          <p:cNvPr id="178" name="직선 연결선 177">
-            <a:extLst>
-              <a:ext uri="{FF2B5EF4-FFF2-40B4-BE49-F238E27FC236}">
-                <a16:creationId xmlns:a16="http://schemas.microsoft.com/office/drawing/2014/main" id="{86AC4D48-1ED6-89A6-3DB6-66ABEB8D61F1}"/>
-              </a:ext>
-            </a:extLst>
-          </p:cNvPr>
-          <p:cNvCxnSpPr>
-            <a:cxnSpLocks/>
-            <a:stCxn id="175" idx="3"/>
-            <a:endCxn id="176" idx="0"/>
-          </p:cNvCxnSpPr>
-          <p:nvPr/>
-        </p:nvCxnSpPr>
-        <p:spPr>
-          <a:xfrm flipH="1">
-            <a:off x="5609184" y="4594870"/>
-            <a:ext cx="201479" cy="162202"/>
-          </a:xfrm>
-          <a:prstGeom prst="line">
-            <a:avLst/>
-          </a:prstGeom>
-        </p:spPr>
-        <p:style>
-          <a:lnRef idx="1">
-            <a:schemeClr val="accent1"/>
-          </a:lnRef>
-          <a:fillRef idx="0">
-            <a:schemeClr val="accent1"/>
-          </a:fillRef>
-          <a:effectRef idx="0">
-            <a:schemeClr val="accent1"/>
-          </a:effectRef>
-          <a:fontRef idx="minor">
-            <a:schemeClr val="tx1"/>
-          </a:fontRef>
-        </p:style>
-      </p:cxnSp>
-      <p:cxnSp>
-        <p:nvCxnSpPr>
-          <p:cNvPr id="179" name="직선 연결선 178">
-            <a:extLst>
-              <a:ext uri="{FF2B5EF4-FFF2-40B4-BE49-F238E27FC236}">
-                <a16:creationId xmlns:a16="http://schemas.microsoft.com/office/drawing/2014/main" id="{6CFFFCC0-6257-1A27-AEBB-2FBF069C8C38}"/>
-              </a:ext>
-            </a:extLst>
-          </p:cNvPr>
-          <p:cNvCxnSpPr>
-            <a:stCxn id="175" idx="5"/>
-            <a:endCxn id="177" idx="0"/>
-          </p:cNvCxnSpPr>
-          <p:nvPr/>
-        </p:nvCxnSpPr>
-        <p:spPr>
-          <a:xfrm>
-            <a:off x="6130320" y="4594870"/>
-            <a:ext cx="156959" cy="162202"/>
-          </a:xfrm>
-          <a:prstGeom prst="line">
-            <a:avLst/>
-          </a:prstGeom>
-        </p:spPr>
-        <p:style>
-          <a:lnRef idx="1">
-            <a:schemeClr val="accent1"/>
-          </a:lnRef>
-          <a:fillRef idx="0">
-            <a:schemeClr val="accent1"/>
-          </a:fillRef>
-          <a:effectRef idx="0">
-            <a:schemeClr val="accent1"/>
-          </a:effectRef>
-          <a:fontRef idx="minor">
-            <a:schemeClr val="tx1"/>
-          </a:fontRef>
-        </p:style>
-      </p:cxnSp>
-      <p:sp>
-        <p:nvSpPr>
-          <p:cNvPr id="180" name="타원 179">
-            <a:extLst>
-              <a:ext uri="{FF2B5EF4-FFF2-40B4-BE49-F238E27FC236}">
-                <a16:creationId xmlns:a16="http://schemas.microsoft.com/office/drawing/2014/main" id="{06DBFB74-E502-564A-BEDB-121A28DBB57D}"/>
-              </a:ext>
-            </a:extLst>
-          </p:cNvPr>
-          <p:cNvSpPr/>
-          <p:nvPr/>
-        </p:nvSpPr>
-        <p:spPr>
-          <a:xfrm>
-            <a:off x="6903703" y="4456169"/>
-            <a:ext cx="452063" cy="277402"/>
-          </a:xfrm>
-          <a:prstGeom prst="ellipse">
-            <a:avLst/>
-          </a:prstGeom>
-        </p:spPr>
-        <p:style>
-          <a:lnRef idx="2">
-            <a:schemeClr val="accent1">
-              <a:shade val="15000"/>
-            </a:schemeClr>
-          </a:lnRef>
-          <a:fillRef idx="1">
-            <a:schemeClr val="accent1"/>
-          </a:fillRef>
-          <a:effectRef idx="0">
-            <a:schemeClr val="accent1"/>
-          </a:effectRef>
-          <a:fontRef idx="minor">
-            <a:schemeClr val="lt1"/>
-          </a:fontRef>
-        </p:style>
-        <p:txBody>
-          <a:bodyPr rtlCol="0" anchor="ctr"/>
-          <a:lstStyle/>
-          <a:p>
-            <a:pPr algn="ctr"/>
-            <a:endParaRPr lang="ko-KR" altLang="en-US"/>
-          </a:p>
-        </p:txBody>
-      </p:sp>
-      <p:sp>
-        <p:nvSpPr>
-          <p:cNvPr id="181" name="타원 180">
-            <a:extLst>
-              <a:ext uri="{FF2B5EF4-FFF2-40B4-BE49-F238E27FC236}">
-                <a16:creationId xmlns:a16="http://schemas.microsoft.com/office/drawing/2014/main" id="{AB5AF85F-6A5F-FC59-1482-0F1C40C98F41}"/>
-              </a:ext>
-            </a:extLst>
-          </p:cNvPr>
-          <p:cNvSpPr/>
-          <p:nvPr/>
-        </p:nvSpPr>
-        <p:spPr>
-          <a:xfrm>
-            <a:off x="6542395" y="4855148"/>
-            <a:ext cx="452063" cy="277402"/>
-          </a:xfrm>
-          <a:prstGeom prst="ellipse">
-            <a:avLst/>
-          </a:prstGeom>
-        </p:spPr>
-        <p:style>
-          <a:lnRef idx="2">
-            <a:schemeClr val="accent1">
-              <a:shade val="15000"/>
-            </a:schemeClr>
-          </a:lnRef>
-          <a:fillRef idx="1">
-            <a:schemeClr val="accent1"/>
-          </a:fillRef>
-          <a:effectRef idx="0">
-            <a:schemeClr val="accent1"/>
-          </a:effectRef>
-          <a:fontRef idx="minor">
-            <a:schemeClr val="lt1"/>
-          </a:fontRef>
-        </p:style>
-        <p:txBody>
-          <a:bodyPr rtlCol="0" anchor="ctr"/>
-          <a:lstStyle/>
-          <a:p>
-            <a:pPr algn="ctr"/>
-            <a:endParaRPr lang="ko-KR" altLang="en-US"/>
-          </a:p>
-        </p:txBody>
-      </p:sp>
-      <p:sp>
-        <p:nvSpPr>
-          <p:cNvPr id="182" name="타원 181">
-            <a:extLst>
-              <a:ext uri="{FF2B5EF4-FFF2-40B4-BE49-F238E27FC236}">
-                <a16:creationId xmlns:a16="http://schemas.microsoft.com/office/drawing/2014/main" id="{AB645DFF-D3F8-3D94-A1F7-757113026A08}"/>
-              </a:ext>
-            </a:extLst>
-          </p:cNvPr>
-          <p:cNvSpPr/>
-          <p:nvPr/>
-        </p:nvSpPr>
-        <p:spPr>
-          <a:xfrm>
-            <a:off x="7220490" y="4855148"/>
-            <a:ext cx="452063" cy="277402"/>
-          </a:xfrm>
-          <a:prstGeom prst="ellipse">
-            <a:avLst/>
-          </a:prstGeom>
-        </p:spPr>
-        <p:style>
-          <a:lnRef idx="2">
-            <a:schemeClr val="accent1">
-              <a:shade val="15000"/>
-            </a:schemeClr>
-          </a:lnRef>
-          <a:fillRef idx="1">
-            <a:schemeClr val="accent1"/>
-          </a:fillRef>
-          <a:effectRef idx="0">
-            <a:schemeClr val="accent1"/>
-          </a:effectRef>
-          <a:fontRef idx="minor">
-            <a:schemeClr val="lt1"/>
-          </a:fontRef>
-        </p:style>
-        <p:txBody>
-          <a:bodyPr rtlCol="0" anchor="ctr"/>
-          <a:lstStyle/>
-          <a:p>
-            <a:pPr algn="ctr"/>
-            <a:endParaRPr lang="ko-KR" altLang="en-US"/>
-          </a:p>
-        </p:txBody>
-      </p:sp>
-      <p:cxnSp>
-        <p:nvCxnSpPr>
-          <p:cNvPr id="183" name="직선 연결선 182">
-            <a:extLst>
-              <a:ext uri="{FF2B5EF4-FFF2-40B4-BE49-F238E27FC236}">
-                <a16:creationId xmlns:a16="http://schemas.microsoft.com/office/drawing/2014/main" id="{0636887A-9157-F65A-F687-425956CA6404}"/>
-              </a:ext>
-            </a:extLst>
-          </p:cNvPr>
-          <p:cNvCxnSpPr>
-            <a:cxnSpLocks/>
-            <a:stCxn id="180" idx="3"/>
-            <a:endCxn id="181" idx="0"/>
-          </p:cNvCxnSpPr>
-          <p:nvPr/>
-        </p:nvCxnSpPr>
-        <p:spPr>
-          <a:xfrm flipH="1">
-            <a:off x="6768427" y="4692946"/>
-            <a:ext cx="201479" cy="162202"/>
-          </a:xfrm>
-          <a:prstGeom prst="line">
-            <a:avLst/>
-          </a:prstGeom>
-        </p:spPr>
-        <p:style>
-          <a:lnRef idx="1">
-            <a:schemeClr val="accent1"/>
-          </a:lnRef>
-          <a:fillRef idx="0">
-            <a:schemeClr val="accent1"/>
-          </a:fillRef>
-          <a:effectRef idx="0">
-            <a:schemeClr val="accent1"/>
-          </a:effectRef>
-          <a:fontRef idx="minor">
-            <a:schemeClr val="tx1"/>
-          </a:fontRef>
-        </p:style>
-      </p:cxnSp>
-      <p:cxnSp>
-        <p:nvCxnSpPr>
-          <p:cNvPr id="184" name="직선 연결선 183">
-            <a:extLst>
-              <a:ext uri="{FF2B5EF4-FFF2-40B4-BE49-F238E27FC236}">
-                <a16:creationId xmlns:a16="http://schemas.microsoft.com/office/drawing/2014/main" id="{784709B5-6999-35BA-9F12-BA279D69BB55}"/>
-              </a:ext>
-            </a:extLst>
-          </p:cNvPr>
-          <p:cNvCxnSpPr>
-            <a:stCxn id="180" idx="5"/>
-            <a:endCxn id="182" idx="0"/>
-          </p:cNvCxnSpPr>
-          <p:nvPr/>
-        </p:nvCxnSpPr>
-        <p:spPr>
-          <a:xfrm>
-            <a:off x="7289563" y="4692946"/>
-            <a:ext cx="156959" cy="162202"/>
-          </a:xfrm>
-          <a:prstGeom prst="line">
-            <a:avLst/>
-          </a:prstGeom>
-        </p:spPr>
-        <p:style>
-          <a:lnRef idx="1">
-            <a:schemeClr val="accent1"/>
-          </a:lnRef>
-          <a:fillRef idx="0">
-            <a:schemeClr val="accent1"/>
-          </a:fillRef>
-          <a:effectRef idx="0">
-            <a:schemeClr val="accent1"/>
-          </a:effectRef>
-          <a:fontRef idx="minor">
-            <a:schemeClr val="tx1"/>
-          </a:fontRef>
-        </p:style>
-      </p:cxnSp>
-      <p:cxnSp>
-        <p:nvCxnSpPr>
-          <p:cNvPr id="185" name="직선 연결선 184">
-            <a:extLst>
-              <a:ext uri="{FF2B5EF4-FFF2-40B4-BE49-F238E27FC236}">
-                <a16:creationId xmlns:a16="http://schemas.microsoft.com/office/drawing/2014/main" id="{1752585F-C05A-3FD7-B355-8437E94E439A}"/>
-              </a:ext>
-            </a:extLst>
-          </p:cNvPr>
-          <p:cNvCxnSpPr>
-            <a:stCxn id="162" idx="6"/>
-            <a:endCxn id="170" idx="0"/>
-          </p:cNvCxnSpPr>
-          <p:nvPr/>
-        </p:nvCxnSpPr>
-        <p:spPr>
-          <a:xfrm>
-            <a:off x="7162294" y="4040066"/>
-            <a:ext cx="1166672" cy="326908"/>
-          </a:xfrm>
-          <a:prstGeom prst="line">
-            <a:avLst/>
-          </a:prstGeom>
-        </p:spPr>
-        <p:style>
-          <a:lnRef idx="1">
-            <a:schemeClr val="accent1"/>
-          </a:lnRef>
-          <a:fillRef idx="0">
-            <a:schemeClr val="accent1"/>
-          </a:fillRef>
-          <a:effectRef idx="0">
-            <a:schemeClr val="accent1"/>
-          </a:effectRef>
-          <a:fontRef idx="minor">
-            <a:schemeClr val="tx1"/>
-          </a:fontRef>
-        </p:style>
-      </p:cxnSp>
-      <p:cxnSp>
-        <p:nvCxnSpPr>
-          <p:cNvPr id="186" name="직선 연결선 185">
-            <a:extLst>
-              <a:ext uri="{FF2B5EF4-FFF2-40B4-BE49-F238E27FC236}">
-                <a16:creationId xmlns:a16="http://schemas.microsoft.com/office/drawing/2014/main" id="{B7943BC4-6B27-7DE3-8C4F-DDFB83B53460}"/>
-              </a:ext>
-            </a:extLst>
-          </p:cNvPr>
-          <p:cNvCxnSpPr>
-            <a:cxnSpLocks/>
-            <a:stCxn id="162" idx="3"/>
-            <a:endCxn id="180" idx="0"/>
-          </p:cNvCxnSpPr>
-          <p:nvPr/>
-        </p:nvCxnSpPr>
-        <p:spPr>
-          <a:xfrm>
-            <a:off x="6776434" y="4138142"/>
-            <a:ext cx="353301" cy="318027"/>
-          </a:xfrm>
-          <a:prstGeom prst="line">
-            <a:avLst/>
-          </a:prstGeom>
-        </p:spPr>
-        <p:style>
-          <a:lnRef idx="1">
-            <a:schemeClr val="accent1"/>
-          </a:lnRef>
-          <a:fillRef idx="0">
-            <a:schemeClr val="accent1"/>
-          </a:fillRef>
-          <a:effectRef idx="0">
-            <a:schemeClr val="accent1"/>
-          </a:effectRef>
-          <a:fontRef idx="minor">
-            <a:schemeClr val="tx1"/>
-          </a:fontRef>
-        </p:style>
-      </p:cxnSp>
-      <p:cxnSp>
-        <p:nvCxnSpPr>
-          <p:cNvPr id="187" name="직선 연결선 186">
-            <a:extLst>
-              <a:ext uri="{FF2B5EF4-FFF2-40B4-BE49-F238E27FC236}">
-                <a16:creationId xmlns:a16="http://schemas.microsoft.com/office/drawing/2014/main" id="{532842FF-F613-40F5-2E8C-887317957939}"/>
-              </a:ext>
-            </a:extLst>
-          </p:cNvPr>
-          <p:cNvCxnSpPr>
-            <a:cxnSpLocks/>
-            <a:stCxn id="161" idx="3"/>
-            <a:endCxn id="165" idx="0"/>
-          </p:cNvCxnSpPr>
-          <p:nvPr/>
-        </p:nvCxnSpPr>
-        <p:spPr>
-          <a:xfrm flipH="1">
-            <a:off x="4732431" y="4091588"/>
-            <a:ext cx="382989" cy="266505"/>
-          </a:xfrm>
-          <a:prstGeom prst="line">
-            <a:avLst/>
-          </a:prstGeom>
-        </p:spPr>
-        <p:style>
-          <a:lnRef idx="1">
-            <a:schemeClr val="accent1"/>
-          </a:lnRef>
-          <a:fillRef idx="0">
-            <a:schemeClr val="accent1"/>
-          </a:fillRef>
-          <a:effectRef idx="0">
-            <a:schemeClr val="accent1"/>
-          </a:effectRef>
-          <a:fontRef idx="minor">
-            <a:schemeClr val="tx1"/>
-          </a:fontRef>
-        </p:style>
-      </p:cxnSp>
-      <p:cxnSp>
-        <p:nvCxnSpPr>
-          <p:cNvPr id="188" name="직선 연결선 187">
-            <a:extLst>
-              <a:ext uri="{FF2B5EF4-FFF2-40B4-BE49-F238E27FC236}">
-                <a16:creationId xmlns:a16="http://schemas.microsoft.com/office/drawing/2014/main" id="{750F9DBE-BF65-57E6-4502-0E32187FD366}"/>
-              </a:ext>
-            </a:extLst>
-          </p:cNvPr>
-          <p:cNvCxnSpPr>
-            <a:cxnSpLocks/>
-            <a:stCxn id="175" idx="1"/>
-            <a:endCxn id="161" idx="5"/>
-          </p:cNvCxnSpPr>
-          <p:nvPr/>
-        </p:nvCxnSpPr>
-        <p:spPr>
-          <a:xfrm flipH="1" flipV="1">
-            <a:off x="5435077" y="4091588"/>
-            <a:ext cx="375586" cy="307130"/>
-          </a:xfrm>
-          <a:prstGeom prst="line">
-            <a:avLst/>
-          </a:prstGeom>
-        </p:spPr>
-        <p:style>
-          <a:lnRef idx="1">
-            <a:schemeClr val="accent1"/>
-          </a:lnRef>
-          <a:fillRef idx="0">
-            <a:schemeClr val="accent1"/>
-          </a:fillRef>
-          <a:effectRef idx="0">
-            <a:schemeClr val="accent1"/>
-          </a:effectRef>
-          <a:fontRef idx="minor">
-            <a:schemeClr val="tx1"/>
-          </a:fontRef>
-        </p:style>
-      </p:cxnSp>
-      <p:cxnSp>
-        <p:nvCxnSpPr>
-          <p:cNvPr id="189" name="직선 연결선 188">
-            <a:extLst>
-              <a:ext uri="{FF2B5EF4-FFF2-40B4-BE49-F238E27FC236}">
-                <a16:creationId xmlns:a16="http://schemas.microsoft.com/office/drawing/2014/main" id="{40C0A61B-2905-1250-89C0-15212711E9C5}"/>
-              </a:ext>
-            </a:extLst>
-          </p:cNvPr>
-          <p:cNvCxnSpPr>
-            <a:cxnSpLocks/>
-            <a:stCxn id="129" idx="3"/>
-            <a:endCxn id="160" idx="0"/>
-          </p:cNvCxnSpPr>
-          <p:nvPr/>
-        </p:nvCxnSpPr>
-        <p:spPr>
-          <a:xfrm flipH="1">
-            <a:off x="5967043" y="3016228"/>
-            <a:ext cx="985714" cy="439604"/>
-          </a:xfrm>
-          <a:prstGeom prst="line">
-            <a:avLst/>
-          </a:prstGeom>
-        </p:spPr>
-        <p:style>
-          <a:lnRef idx="1">
-            <a:schemeClr val="accent1"/>
-          </a:lnRef>
-          <a:fillRef idx="0">
-            <a:schemeClr val="accent1"/>
-          </a:fillRef>
-          <a:effectRef idx="0">
-            <a:schemeClr val="accent1"/>
-          </a:effectRef>
-          <a:fontRef idx="minor">
-            <a:schemeClr val="tx1"/>
-          </a:fontRef>
-        </p:style>
-      </p:cxnSp>
-      <p:sp>
-        <p:nvSpPr>
-          <p:cNvPr id="9" name="타원 8">
-            <a:extLst>
-              <a:ext uri="{FF2B5EF4-FFF2-40B4-BE49-F238E27FC236}">
-                <a16:creationId xmlns:a16="http://schemas.microsoft.com/office/drawing/2014/main" id="{42FD714F-B86E-B376-497A-02939A6EE373}"/>
-              </a:ext>
-            </a:extLst>
-          </p:cNvPr>
-          <p:cNvSpPr/>
-          <p:nvPr/>
-        </p:nvSpPr>
-        <p:spPr>
-          <a:xfrm>
-            <a:off x="10441513" y="3555758"/>
-            <a:ext cx="452063" cy="277402"/>
-          </a:xfrm>
-          <a:prstGeom prst="ellipse">
-            <a:avLst/>
-          </a:prstGeom>
-        </p:spPr>
-        <p:style>
-          <a:lnRef idx="2">
-            <a:schemeClr val="accent1">
-              <a:shade val="15000"/>
-            </a:schemeClr>
-          </a:lnRef>
-          <a:fillRef idx="1">
-            <a:schemeClr val="accent1"/>
-          </a:fillRef>
-          <a:effectRef idx="0">
-            <a:schemeClr val="accent1"/>
-          </a:effectRef>
-          <a:fontRef idx="minor">
-            <a:schemeClr val="lt1"/>
-          </a:fontRef>
-        </p:style>
-        <p:txBody>
-          <a:bodyPr rtlCol="0" anchor="ctr"/>
-          <a:lstStyle/>
-          <a:p>
-            <a:pPr algn="ctr"/>
+            <a:r>
+              <a:rPr lang="ko-KR" altLang="en-US" dirty="0"/>
+              <a:t>개</a:t>
+            </a:r>
             <a:r>
               <a:rPr lang="en-US" altLang="ko-KR" dirty="0"/>
-              <a:t>4</a:t>
-            </a:r>
-            <a:endParaRPr lang="ko-KR" altLang="en-US" dirty="0"/>
-          </a:p>
-        </p:txBody>
-      </p:sp>
-      <p:sp>
-        <p:nvSpPr>
-          <p:cNvPr id="10" name="타원 9">
-            <a:extLst>
-              <a:ext uri="{FF2B5EF4-FFF2-40B4-BE49-F238E27FC236}">
-                <a16:creationId xmlns:a16="http://schemas.microsoft.com/office/drawing/2014/main" id="{CB79D98B-1330-B259-2853-407232A5C240}"/>
-              </a:ext>
-            </a:extLst>
-          </p:cNvPr>
-          <p:cNvSpPr/>
-          <p:nvPr/>
-        </p:nvSpPr>
-        <p:spPr>
-          <a:xfrm>
-            <a:off x="9749719" y="3954737"/>
-            <a:ext cx="452063" cy="277402"/>
-          </a:xfrm>
-          <a:prstGeom prst="ellipse">
-            <a:avLst/>
-          </a:prstGeom>
-        </p:spPr>
-        <p:style>
-          <a:lnRef idx="2">
-            <a:schemeClr val="accent1">
-              <a:shade val="15000"/>
-            </a:schemeClr>
-          </a:lnRef>
-          <a:fillRef idx="1">
-            <a:schemeClr val="accent1"/>
-          </a:fillRef>
-          <a:effectRef idx="0">
-            <a:schemeClr val="accent1"/>
-          </a:effectRef>
-          <a:fontRef idx="minor">
-            <a:schemeClr val="lt1"/>
-          </a:fontRef>
-        </p:style>
-        <p:txBody>
-          <a:bodyPr rtlCol="0" anchor="ctr"/>
-          <a:lstStyle/>
-          <a:p>
-            <a:pPr algn="ctr"/>
-            <a:endParaRPr lang="ko-KR" altLang="en-US"/>
-          </a:p>
-        </p:txBody>
-      </p:sp>
-      <p:sp>
-        <p:nvSpPr>
-          <p:cNvPr id="11" name="타원 10">
-            <a:extLst>
-              <a:ext uri="{FF2B5EF4-FFF2-40B4-BE49-F238E27FC236}">
-                <a16:creationId xmlns:a16="http://schemas.microsoft.com/office/drawing/2014/main" id="{770B8665-E638-FE3E-F10F-D57567D83F2F}"/>
-              </a:ext>
-            </a:extLst>
-          </p:cNvPr>
-          <p:cNvSpPr/>
-          <p:nvPr/>
-        </p:nvSpPr>
-        <p:spPr>
-          <a:xfrm>
-            <a:off x="11410733" y="4001291"/>
-            <a:ext cx="452063" cy="277402"/>
-          </a:xfrm>
-          <a:prstGeom prst="ellipse">
-            <a:avLst/>
-          </a:prstGeom>
-        </p:spPr>
-        <p:style>
-          <a:lnRef idx="2">
-            <a:schemeClr val="accent1">
-              <a:shade val="15000"/>
-            </a:schemeClr>
-          </a:lnRef>
-          <a:fillRef idx="1">
-            <a:schemeClr val="accent1"/>
-          </a:fillRef>
-          <a:effectRef idx="0">
-            <a:schemeClr val="accent1"/>
-          </a:effectRef>
-          <a:fontRef idx="minor">
-            <a:schemeClr val="lt1"/>
-          </a:fontRef>
-        </p:style>
-        <p:txBody>
-          <a:bodyPr rtlCol="0" anchor="ctr"/>
-          <a:lstStyle/>
-          <a:p>
-            <a:pPr algn="ctr"/>
+              <a:t> &amp;&amp; </a:t>
+            </a:r>
+            <a:r>
+              <a:rPr lang="ko-KR" altLang="en-US" dirty="0"/>
+              <a:t>우측에 </a:t>
+            </a:r>
             <a:r>
               <a:rPr lang="en-US" altLang="ko-KR" dirty="0"/>
-              <a:t>3</a:t>
-            </a:r>
-            <a:endParaRPr lang="ko-KR" altLang="en-US" dirty="0"/>
-          </a:p>
-        </p:txBody>
-      </p:sp>
-      <p:cxnSp>
-        <p:nvCxnSpPr>
-          <p:cNvPr id="12" name="직선 연결선 11">
-            <a:extLst>
-              <a:ext uri="{FF2B5EF4-FFF2-40B4-BE49-F238E27FC236}">
-                <a16:creationId xmlns:a16="http://schemas.microsoft.com/office/drawing/2014/main" id="{073DBEC7-021E-95E2-8227-A68D7CA5D9CD}"/>
-              </a:ext>
-            </a:extLst>
-          </p:cNvPr>
-          <p:cNvCxnSpPr>
-            <a:cxnSpLocks/>
-            <a:stCxn id="9" idx="3"/>
-            <a:endCxn id="10" idx="0"/>
-          </p:cNvCxnSpPr>
-          <p:nvPr/>
-        </p:nvCxnSpPr>
-        <p:spPr>
-          <a:xfrm flipH="1">
-            <a:off x="9975751" y="3792535"/>
-            <a:ext cx="531965" cy="162202"/>
-          </a:xfrm>
-          <a:prstGeom prst="line">
-            <a:avLst/>
-          </a:prstGeom>
-        </p:spPr>
-        <p:style>
-          <a:lnRef idx="1">
-            <a:schemeClr val="accent1"/>
-          </a:lnRef>
-          <a:fillRef idx="0">
-            <a:schemeClr val="accent1"/>
-          </a:fillRef>
-          <a:effectRef idx="0">
-            <a:schemeClr val="accent1"/>
-          </a:effectRef>
-          <a:fontRef idx="minor">
-            <a:schemeClr val="tx1"/>
-          </a:fontRef>
-        </p:style>
-      </p:cxnSp>
-      <p:cxnSp>
-        <p:nvCxnSpPr>
-          <p:cNvPr id="13" name="직선 연결선 12">
-            <a:extLst>
-              <a:ext uri="{FF2B5EF4-FFF2-40B4-BE49-F238E27FC236}">
-                <a16:creationId xmlns:a16="http://schemas.microsoft.com/office/drawing/2014/main" id="{120A8BB4-62E0-974D-05A5-E7D4AC911F8B}"/>
-              </a:ext>
-            </a:extLst>
-          </p:cNvPr>
-          <p:cNvCxnSpPr>
-            <a:stCxn id="9" idx="5"/>
-            <a:endCxn id="11" idx="0"/>
-          </p:cNvCxnSpPr>
-          <p:nvPr/>
-        </p:nvCxnSpPr>
-        <p:spPr>
-          <a:xfrm>
-            <a:off x="10827373" y="3792535"/>
-            <a:ext cx="809392" cy="208756"/>
-          </a:xfrm>
-          <a:prstGeom prst="line">
-            <a:avLst/>
-          </a:prstGeom>
-        </p:spPr>
-        <p:style>
-          <a:lnRef idx="1">
-            <a:schemeClr val="accent1"/>
-          </a:lnRef>
-          <a:fillRef idx="0">
-            <a:schemeClr val="accent1"/>
-          </a:fillRef>
-          <a:effectRef idx="0">
-            <a:schemeClr val="accent1"/>
-          </a:effectRef>
-          <a:fontRef idx="minor">
-            <a:schemeClr val="tx1"/>
-          </a:fontRef>
-        </p:style>
-      </p:cxnSp>
-      <p:sp>
-        <p:nvSpPr>
-          <p:cNvPr id="14" name="타원 13">
-            <a:extLst>
-              <a:ext uri="{FF2B5EF4-FFF2-40B4-BE49-F238E27FC236}">
-                <a16:creationId xmlns:a16="http://schemas.microsoft.com/office/drawing/2014/main" id="{1554A62A-E0F1-5A4D-AD94-671005CEB317}"/>
-              </a:ext>
-            </a:extLst>
-          </p:cNvPr>
-          <p:cNvSpPr/>
-          <p:nvPr/>
-        </p:nvSpPr>
-        <p:spPr>
-          <a:xfrm>
-            <a:off x="9206901" y="4458019"/>
-            <a:ext cx="452063" cy="277402"/>
-          </a:xfrm>
-          <a:prstGeom prst="ellipse">
-            <a:avLst/>
-          </a:prstGeom>
-        </p:spPr>
-        <p:style>
-          <a:lnRef idx="2">
-            <a:schemeClr val="accent1">
-              <a:shade val="15000"/>
-            </a:schemeClr>
-          </a:lnRef>
-          <a:fillRef idx="1">
-            <a:schemeClr val="accent1"/>
-          </a:fillRef>
-          <a:effectRef idx="0">
-            <a:schemeClr val="accent1"/>
-          </a:effectRef>
-          <a:fontRef idx="minor">
-            <a:schemeClr val="lt1"/>
-          </a:fontRef>
-        </p:style>
-        <p:txBody>
-          <a:bodyPr rtlCol="0" anchor="ctr"/>
-          <a:lstStyle/>
-          <a:p>
-            <a:pPr algn="ctr"/>
-            <a:endParaRPr lang="ko-KR" altLang="en-US"/>
-          </a:p>
-        </p:txBody>
-      </p:sp>
-      <p:sp>
-        <p:nvSpPr>
-          <p:cNvPr id="15" name="타원 14">
-            <a:extLst>
-              <a:ext uri="{FF2B5EF4-FFF2-40B4-BE49-F238E27FC236}">
-                <a16:creationId xmlns:a16="http://schemas.microsoft.com/office/drawing/2014/main" id="{A25EA5B6-E886-73B2-3CD8-D3ABE457747A}"/>
-              </a:ext>
-            </a:extLst>
-          </p:cNvPr>
-          <p:cNvSpPr/>
-          <p:nvPr/>
-        </p:nvSpPr>
-        <p:spPr>
-          <a:xfrm>
-            <a:off x="8845593" y="4856998"/>
-            <a:ext cx="452063" cy="277402"/>
-          </a:xfrm>
-          <a:prstGeom prst="ellipse">
-            <a:avLst/>
-          </a:prstGeom>
-        </p:spPr>
-        <p:style>
-          <a:lnRef idx="2">
-            <a:schemeClr val="accent1">
-              <a:shade val="15000"/>
-            </a:schemeClr>
-          </a:lnRef>
-          <a:fillRef idx="1">
-            <a:schemeClr val="accent1"/>
-          </a:fillRef>
-          <a:effectRef idx="0">
-            <a:schemeClr val="accent1"/>
-          </a:effectRef>
-          <a:fontRef idx="minor">
-            <a:schemeClr val="lt1"/>
-          </a:fontRef>
-        </p:style>
-        <p:txBody>
-          <a:bodyPr rtlCol="0" anchor="ctr"/>
-          <a:lstStyle/>
-          <a:p>
-            <a:pPr algn="ctr"/>
-            <a:endParaRPr lang="ko-KR" altLang="en-US"/>
-          </a:p>
-        </p:txBody>
-      </p:sp>
-      <p:sp>
-        <p:nvSpPr>
-          <p:cNvPr id="16" name="타원 15">
-            <a:extLst>
-              <a:ext uri="{FF2B5EF4-FFF2-40B4-BE49-F238E27FC236}">
-                <a16:creationId xmlns:a16="http://schemas.microsoft.com/office/drawing/2014/main" id="{01A7EBF9-BB29-4B13-52A4-95B7FF9FF78D}"/>
-              </a:ext>
-            </a:extLst>
-          </p:cNvPr>
-          <p:cNvSpPr/>
-          <p:nvPr/>
-        </p:nvSpPr>
-        <p:spPr>
-          <a:xfrm>
-            <a:off x="9523688" y="4856998"/>
-            <a:ext cx="452063" cy="277402"/>
-          </a:xfrm>
-          <a:prstGeom prst="ellipse">
-            <a:avLst/>
-          </a:prstGeom>
-        </p:spPr>
-        <p:style>
-          <a:lnRef idx="2">
-            <a:schemeClr val="accent1">
-              <a:shade val="15000"/>
-            </a:schemeClr>
-          </a:lnRef>
-          <a:fillRef idx="1">
-            <a:schemeClr val="accent1"/>
-          </a:fillRef>
-          <a:effectRef idx="0">
-            <a:schemeClr val="accent1"/>
-          </a:effectRef>
-          <a:fontRef idx="minor">
-            <a:schemeClr val="lt1"/>
-          </a:fontRef>
-        </p:style>
-        <p:txBody>
-          <a:bodyPr rtlCol="0" anchor="ctr"/>
-          <a:lstStyle/>
-          <a:p>
-            <a:pPr algn="ctr"/>
-            <a:endParaRPr lang="ko-KR" altLang="en-US"/>
-          </a:p>
-        </p:txBody>
-      </p:sp>
-      <p:cxnSp>
-        <p:nvCxnSpPr>
-          <p:cNvPr id="17" name="직선 연결선 16">
-            <a:extLst>
-              <a:ext uri="{FF2B5EF4-FFF2-40B4-BE49-F238E27FC236}">
-                <a16:creationId xmlns:a16="http://schemas.microsoft.com/office/drawing/2014/main" id="{6E0D5F00-6828-860C-ED8A-D5E4B8BF0E1D}"/>
-              </a:ext>
-            </a:extLst>
-          </p:cNvPr>
-          <p:cNvCxnSpPr>
-            <a:cxnSpLocks/>
-            <a:stCxn id="14" idx="3"/>
-            <a:endCxn id="15" idx="0"/>
-          </p:cNvCxnSpPr>
-          <p:nvPr/>
-        </p:nvCxnSpPr>
-        <p:spPr>
-          <a:xfrm flipH="1">
-            <a:off x="9071625" y="4694796"/>
-            <a:ext cx="201479" cy="162202"/>
-          </a:xfrm>
-          <a:prstGeom prst="line">
-            <a:avLst/>
-          </a:prstGeom>
-        </p:spPr>
-        <p:style>
-          <a:lnRef idx="1">
-            <a:schemeClr val="accent1"/>
-          </a:lnRef>
-          <a:fillRef idx="0">
-            <a:schemeClr val="accent1"/>
-          </a:fillRef>
-          <a:effectRef idx="0">
-            <a:schemeClr val="accent1"/>
-          </a:effectRef>
-          <a:fontRef idx="minor">
-            <a:schemeClr val="tx1"/>
-          </a:fontRef>
-        </p:style>
-      </p:cxnSp>
-      <p:cxnSp>
-        <p:nvCxnSpPr>
-          <p:cNvPr id="18" name="직선 연결선 17">
-            <a:extLst>
-              <a:ext uri="{FF2B5EF4-FFF2-40B4-BE49-F238E27FC236}">
-                <a16:creationId xmlns:a16="http://schemas.microsoft.com/office/drawing/2014/main" id="{C99E01EF-2834-5C09-B7F9-F9719D7CE48F}"/>
-              </a:ext>
-            </a:extLst>
-          </p:cNvPr>
-          <p:cNvCxnSpPr>
-            <a:stCxn id="14" idx="5"/>
-            <a:endCxn id="16" idx="0"/>
-          </p:cNvCxnSpPr>
-          <p:nvPr/>
-        </p:nvCxnSpPr>
-        <p:spPr>
-          <a:xfrm>
-            <a:off x="9592761" y="4694796"/>
-            <a:ext cx="156959" cy="162202"/>
-          </a:xfrm>
-          <a:prstGeom prst="line">
-            <a:avLst/>
-          </a:prstGeom>
-        </p:spPr>
-        <p:style>
-          <a:lnRef idx="1">
-            <a:schemeClr val="accent1"/>
-          </a:lnRef>
-          <a:fillRef idx="0">
-            <a:schemeClr val="accent1"/>
-          </a:fillRef>
-          <a:effectRef idx="0">
-            <a:schemeClr val="accent1"/>
-          </a:effectRef>
-          <a:fontRef idx="minor">
-            <a:schemeClr val="tx1"/>
-          </a:fontRef>
-        </p:style>
-      </p:cxnSp>
-      <p:sp>
-        <p:nvSpPr>
-          <p:cNvPr id="19" name="타원 18">
-            <a:extLst>
-              <a:ext uri="{FF2B5EF4-FFF2-40B4-BE49-F238E27FC236}">
-                <a16:creationId xmlns:a16="http://schemas.microsoft.com/office/drawing/2014/main" id="{71393656-C4BC-63A2-A677-50C3E9F2E9DA}"/>
-              </a:ext>
-            </a:extLst>
-          </p:cNvPr>
-          <p:cNvSpPr/>
-          <p:nvPr/>
-        </p:nvSpPr>
-        <p:spPr>
-          <a:xfrm>
-            <a:off x="12803436" y="4466900"/>
-            <a:ext cx="452063" cy="277402"/>
-          </a:xfrm>
-          <a:prstGeom prst="ellipse">
-            <a:avLst/>
-          </a:prstGeom>
-        </p:spPr>
-        <p:style>
-          <a:lnRef idx="2">
-            <a:schemeClr val="accent1">
-              <a:shade val="15000"/>
-            </a:schemeClr>
-          </a:lnRef>
-          <a:fillRef idx="1">
-            <a:schemeClr val="accent1"/>
-          </a:fillRef>
-          <a:effectRef idx="0">
-            <a:schemeClr val="accent1"/>
-          </a:effectRef>
-          <a:fontRef idx="minor">
-            <a:schemeClr val="lt1"/>
-          </a:fontRef>
-        </p:style>
-        <p:txBody>
-          <a:bodyPr rtlCol="0" anchor="ctr"/>
-          <a:lstStyle/>
-          <a:p>
-            <a:pPr algn="ctr"/>
+              <a:t>F5</a:t>
+            </a:r>
+            <a:r>
+              <a:rPr lang="ko-KR" altLang="en-US" dirty="0"/>
+              <a:t>응급이 </a:t>
+            </a:r>
+            <a:r>
+              <a:rPr lang="en-US" altLang="ko-KR" dirty="0"/>
+              <a:t>1</a:t>
+            </a:r>
+            <a:r>
+              <a:rPr lang="ko-KR" altLang="en-US" dirty="0"/>
+              <a:t>개 </a:t>
+            </a:r>
+            <a:endParaRPr lang="en-US" altLang="ko-KR" dirty="0"/>
+          </a:p>
+          <a:p>
+            <a:r>
+              <a:rPr lang="en-US" altLang="ko-KR" dirty="0"/>
+              <a:t>   - </a:t>
+            </a:r>
+            <a:r>
+              <a:rPr lang="ko-KR" altLang="en-US" dirty="0"/>
+              <a:t>우측에 </a:t>
+            </a:r>
+            <a:r>
+              <a:rPr lang="en-US" altLang="ko-KR" dirty="0"/>
+              <a:t>F5</a:t>
+            </a:r>
+            <a:r>
+              <a:rPr lang="ko-KR" altLang="en-US" dirty="0"/>
+              <a:t>등급이 </a:t>
+            </a:r>
+            <a:r>
+              <a:rPr lang="en-US" altLang="ko-KR" dirty="0"/>
+              <a:t>1</a:t>
+            </a:r>
+            <a:r>
+              <a:rPr lang="ko-KR" altLang="en-US" dirty="0"/>
+              <a:t>개</a:t>
+            </a:r>
+            <a:r>
+              <a:rPr lang="en-US" altLang="ko-KR" dirty="0"/>
+              <a:t> &amp;&amp; </a:t>
+            </a:r>
+            <a:r>
+              <a:rPr lang="ko-KR" altLang="en-US" dirty="0"/>
+              <a:t>우측에 </a:t>
+            </a:r>
+            <a:r>
+              <a:rPr lang="en-US" altLang="ko-KR" dirty="0"/>
+              <a:t>F5</a:t>
+            </a:r>
+            <a:r>
+              <a:rPr lang="ko-KR" altLang="en-US" dirty="0"/>
+              <a:t>응급이 </a:t>
+            </a:r>
             <a:r>
               <a:rPr lang="en-US" altLang="ko-KR" dirty="0"/>
               <a:t>2</a:t>
             </a:r>
+            <a:r>
+              <a:rPr lang="ko-KR" altLang="en-US" dirty="0"/>
+              <a:t>개 </a:t>
+            </a:r>
+            <a:endParaRPr lang="en-US" altLang="ko-KR" dirty="0"/>
+          </a:p>
+          <a:p>
+            <a:endParaRPr lang="en-US" altLang="ko-KR" dirty="0"/>
+          </a:p>
+          <a:p>
+            <a:r>
+              <a:rPr lang="en-US" altLang="ko-KR" dirty="0"/>
+              <a:t>   </a:t>
+            </a:r>
             <a:endParaRPr lang="ko-KR" altLang="en-US" dirty="0"/>
           </a:p>
         </p:txBody>
       </p:sp>
-      <p:sp>
-        <p:nvSpPr>
-          <p:cNvPr id="20" name="타원 19">
-            <a:extLst>
-              <a:ext uri="{FF2B5EF4-FFF2-40B4-BE49-F238E27FC236}">
-                <a16:creationId xmlns:a16="http://schemas.microsoft.com/office/drawing/2014/main" id="{81211FBC-4F73-E779-F7FF-7F70DE59847A}"/>
-              </a:ext>
-            </a:extLst>
-          </p:cNvPr>
-          <p:cNvSpPr/>
-          <p:nvPr/>
-        </p:nvSpPr>
-        <p:spPr>
-          <a:xfrm>
-            <a:off x="12442128" y="4865879"/>
-            <a:ext cx="452063" cy="277402"/>
-          </a:xfrm>
-          <a:prstGeom prst="ellipse">
-            <a:avLst/>
-          </a:prstGeom>
-        </p:spPr>
-        <p:style>
-          <a:lnRef idx="2">
-            <a:schemeClr val="accent1">
-              <a:shade val="15000"/>
-            </a:schemeClr>
-          </a:lnRef>
-          <a:fillRef idx="1">
-            <a:schemeClr val="accent1"/>
-          </a:fillRef>
-          <a:effectRef idx="0">
-            <a:schemeClr val="accent1"/>
-          </a:effectRef>
-          <a:fontRef idx="minor">
-            <a:schemeClr val="lt1"/>
-          </a:fontRef>
-        </p:style>
-        <p:txBody>
-          <a:bodyPr rtlCol="0" anchor="ctr"/>
-          <a:lstStyle/>
-          <a:p>
-            <a:pPr algn="ctr"/>
-            <a:endParaRPr lang="ko-KR" altLang="en-US"/>
-          </a:p>
-        </p:txBody>
-      </p:sp>
-      <p:sp>
-        <p:nvSpPr>
-          <p:cNvPr id="21" name="타원 20">
-            <a:extLst>
-              <a:ext uri="{FF2B5EF4-FFF2-40B4-BE49-F238E27FC236}">
-                <a16:creationId xmlns:a16="http://schemas.microsoft.com/office/drawing/2014/main" id="{DF33994E-E5C4-4328-C4AC-170ECD53329E}"/>
-              </a:ext>
-            </a:extLst>
-          </p:cNvPr>
-          <p:cNvSpPr/>
-          <p:nvPr/>
-        </p:nvSpPr>
-        <p:spPr>
-          <a:xfrm>
-            <a:off x="13120223" y="4865879"/>
-            <a:ext cx="452063" cy="277402"/>
-          </a:xfrm>
-          <a:prstGeom prst="ellipse">
-            <a:avLst/>
-          </a:prstGeom>
-        </p:spPr>
-        <p:style>
-          <a:lnRef idx="2">
-            <a:schemeClr val="accent1">
-              <a:shade val="15000"/>
-            </a:schemeClr>
-          </a:lnRef>
-          <a:fillRef idx="1">
-            <a:schemeClr val="accent1"/>
-          </a:fillRef>
-          <a:effectRef idx="0">
-            <a:schemeClr val="accent1"/>
-          </a:effectRef>
-          <a:fontRef idx="minor">
-            <a:schemeClr val="lt1"/>
-          </a:fontRef>
-        </p:style>
-        <p:txBody>
-          <a:bodyPr rtlCol="0" anchor="ctr"/>
-          <a:lstStyle/>
-          <a:p>
-            <a:pPr algn="ctr"/>
-            <a:endParaRPr lang="ko-KR" altLang="en-US"/>
-          </a:p>
-        </p:txBody>
-      </p:sp>
-      <p:cxnSp>
-        <p:nvCxnSpPr>
-          <p:cNvPr id="22" name="직선 연결선 21">
-            <a:extLst>
-              <a:ext uri="{FF2B5EF4-FFF2-40B4-BE49-F238E27FC236}">
-                <a16:creationId xmlns:a16="http://schemas.microsoft.com/office/drawing/2014/main" id="{D8B9C688-520D-7D5C-9A9A-74311F43E901}"/>
-              </a:ext>
-            </a:extLst>
-          </p:cNvPr>
-          <p:cNvCxnSpPr>
-            <a:cxnSpLocks/>
-            <a:stCxn id="19" idx="3"/>
-            <a:endCxn id="20" idx="0"/>
-          </p:cNvCxnSpPr>
-          <p:nvPr/>
-        </p:nvCxnSpPr>
-        <p:spPr>
-          <a:xfrm flipH="1">
-            <a:off x="12668160" y="4703677"/>
-            <a:ext cx="201479" cy="162202"/>
-          </a:xfrm>
-          <a:prstGeom prst="line">
-            <a:avLst/>
-          </a:prstGeom>
-        </p:spPr>
-        <p:style>
-          <a:lnRef idx="1">
-            <a:schemeClr val="accent1"/>
-          </a:lnRef>
-          <a:fillRef idx="0">
-            <a:schemeClr val="accent1"/>
-          </a:fillRef>
-          <a:effectRef idx="0">
-            <a:schemeClr val="accent1"/>
-          </a:effectRef>
-          <a:fontRef idx="minor">
-            <a:schemeClr val="tx1"/>
-          </a:fontRef>
-        </p:style>
-      </p:cxnSp>
-      <p:cxnSp>
-        <p:nvCxnSpPr>
-          <p:cNvPr id="23" name="직선 연결선 22">
-            <a:extLst>
-              <a:ext uri="{FF2B5EF4-FFF2-40B4-BE49-F238E27FC236}">
-                <a16:creationId xmlns:a16="http://schemas.microsoft.com/office/drawing/2014/main" id="{566362D0-AC93-EA09-1804-EF39A9D354D5}"/>
-              </a:ext>
-            </a:extLst>
-          </p:cNvPr>
-          <p:cNvCxnSpPr>
-            <a:stCxn id="19" idx="5"/>
-            <a:endCxn id="21" idx="0"/>
-          </p:cNvCxnSpPr>
-          <p:nvPr/>
-        </p:nvCxnSpPr>
-        <p:spPr>
-          <a:xfrm>
-            <a:off x="13189296" y="4703677"/>
-            <a:ext cx="156959" cy="162202"/>
-          </a:xfrm>
-          <a:prstGeom prst="line">
-            <a:avLst/>
-          </a:prstGeom>
-        </p:spPr>
-        <p:style>
-          <a:lnRef idx="1">
-            <a:schemeClr val="accent1"/>
-          </a:lnRef>
-          <a:fillRef idx="0">
-            <a:schemeClr val="accent1"/>
-          </a:fillRef>
-          <a:effectRef idx="0">
-            <a:schemeClr val="accent1"/>
-          </a:effectRef>
-          <a:fontRef idx="minor">
-            <a:schemeClr val="tx1"/>
-          </a:fontRef>
-        </p:style>
-      </p:cxnSp>
-      <p:sp>
-        <p:nvSpPr>
-          <p:cNvPr id="24" name="타원 23">
-            <a:extLst>
-              <a:ext uri="{FF2B5EF4-FFF2-40B4-BE49-F238E27FC236}">
-                <a16:creationId xmlns:a16="http://schemas.microsoft.com/office/drawing/2014/main" id="{06B45714-7292-4CFE-F11A-31E2C4B6D829}"/>
-              </a:ext>
-            </a:extLst>
-          </p:cNvPr>
-          <p:cNvSpPr/>
-          <p:nvPr/>
-        </p:nvSpPr>
-        <p:spPr>
-          <a:xfrm>
-            <a:off x="10444962" y="4458019"/>
-            <a:ext cx="452063" cy="277402"/>
-          </a:xfrm>
-          <a:prstGeom prst="ellipse">
-            <a:avLst/>
-          </a:prstGeom>
-        </p:spPr>
-        <p:style>
-          <a:lnRef idx="2">
-            <a:schemeClr val="accent1">
-              <a:shade val="15000"/>
-            </a:schemeClr>
-          </a:lnRef>
-          <a:fillRef idx="1">
-            <a:schemeClr val="accent1"/>
-          </a:fillRef>
-          <a:effectRef idx="0">
-            <a:schemeClr val="accent1"/>
-          </a:effectRef>
-          <a:fontRef idx="minor">
-            <a:schemeClr val="lt1"/>
-          </a:fontRef>
-        </p:style>
-        <p:txBody>
-          <a:bodyPr rtlCol="0" anchor="ctr"/>
-          <a:lstStyle/>
-          <a:p>
-            <a:pPr algn="ctr"/>
-            <a:endParaRPr lang="ko-KR" altLang="en-US"/>
-          </a:p>
-        </p:txBody>
-      </p:sp>
-      <p:sp>
-        <p:nvSpPr>
-          <p:cNvPr id="25" name="타원 24">
-            <a:extLst>
-              <a:ext uri="{FF2B5EF4-FFF2-40B4-BE49-F238E27FC236}">
-                <a16:creationId xmlns:a16="http://schemas.microsoft.com/office/drawing/2014/main" id="{E8E1F89B-5D21-4CD5-CA7C-54DDB27C2114}"/>
-              </a:ext>
-            </a:extLst>
-          </p:cNvPr>
-          <p:cNvSpPr/>
-          <p:nvPr/>
-        </p:nvSpPr>
-        <p:spPr>
-          <a:xfrm>
-            <a:off x="10083654" y="4856998"/>
-            <a:ext cx="452063" cy="277402"/>
-          </a:xfrm>
-          <a:prstGeom prst="ellipse">
-            <a:avLst/>
-          </a:prstGeom>
-        </p:spPr>
-        <p:style>
-          <a:lnRef idx="2">
-            <a:schemeClr val="accent1">
-              <a:shade val="15000"/>
-            </a:schemeClr>
-          </a:lnRef>
-          <a:fillRef idx="1">
-            <a:schemeClr val="accent1"/>
-          </a:fillRef>
-          <a:effectRef idx="0">
-            <a:schemeClr val="accent1"/>
-          </a:effectRef>
-          <a:fontRef idx="minor">
-            <a:schemeClr val="lt1"/>
-          </a:fontRef>
-        </p:style>
-        <p:txBody>
-          <a:bodyPr rtlCol="0" anchor="ctr"/>
-          <a:lstStyle/>
-          <a:p>
-            <a:pPr algn="ctr"/>
-            <a:endParaRPr lang="ko-KR" altLang="en-US"/>
-          </a:p>
-        </p:txBody>
-      </p:sp>
-      <p:sp>
-        <p:nvSpPr>
-          <p:cNvPr id="26" name="타원 25">
-            <a:extLst>
-              <a:ext uri="{FF2B5EF4-FFF2-40B4-BE49-F238E27FC236}">
-                <a16:creationId xmlns:a16="http://schemas.microsoft.com/office/drawing/2014/main" id="{B010361E-8D9F-A22C-7A3D-906F831363DB}"/>
-              </a:ext>
-            </a:extLst>
-          </p:cNvPr>
-          <p:cNvSpPr/>
-          <p:nvPr/>
-        </p:nvSpPr>
-        <p:spPr>
-          <a:xfrm>
-            <a:off x="10761749" y="4856998"/>
-            <a:ext cx="452063" cy="277402"/>
-          </a:xfrm>
-          <a:prstGeom prst="ellipse">
-            <a:avLst/>
-          </a:prstGeom>
-        </p:spPr>
-        <p:style>
-          <a:lnRef idx="2">
-            <a:schemeClr val="accent1">
-              <a:shade val="15000"/>
-            </a:schemeClr>
-          </a:lnRef>
-          <a:fillRef idx="1">
-            <a:schemeClr val="accent1"/>
-          </a:fillRef>
-          <a:effectRef idx="0">
-            <a:schemeClr val="accent1"/>
-          </a:effectRef>
-          <a:fontRef idx="minor">
-            <a:schemeClr val="lt1"/>
-          </a:fontRef>
-        </p:style>
-        <p:txBody>
-          <a:bodyPr rtlCol="0" anchor="ctr"/>
-          <a:lstStyle/>
-          <a:p>
-            <a:pPr algn="ctr"/>
-            <a:endParaRPr lang="ko-KR" altLang="en-US"/>
-          </a:p>
-        </p:txBody>
-      </p:sp>
-      <p:cxnSp>
-        <p:nvCxnSpPr>
-          <p:cNvPr id="27" name="직선 연결선 26">
-            <a:extLst>
-              <a:ext uri="{FF2B5EF4-FFF2-40B4-BE49-F238E27FC236}">
-                <a16:creationId xmlns:a16="http://schemas.microsoft.com/office/drawing/2014/main" id="{99C73E7B-E412-C6D6-24F2-ED0AAADB443E}"/>
-              </a:ext>
-            </a:extLst>
-          </p:cNvPr>
-          <p:cNvCxnSpPr>
-            <a:cxnSpLocks/>
-            <a:stCxn id="24" idx="3"/>
-            <a:endCxn id="25" idx="0"/>
-          </p:cNvCxnSpPr>
-          <p:nvPr/>
-        </p:nvCxnSpPr>
-        <p:spPr>
-          <a:xfrm flipH="1">
-            <a:off x="10309686" y="4694796"/>
-            <a:ext cx="201479" cy="162202"/>
-          </a:xfrm>
-          <a:prstGeom prst="line">
-            <a:avLst/>
-          </a:prstGeom>
-        </p:spPr>
-        <p:style>
-          <a:lnRef idx="1">
-            <a:schemeClr val="accent1"/>
-          </a:lnRef>
-          <a:fillRef idx="0">
-            <a:schemeClr val="accent1"/>
-          </a:fillRef>
-          <a:effectRef idx="0">
-            <a:schemeClr val="accent1"/>
-          </a:effectRef>
-          <a:fontRef idx="minor">
-            <a:schemeClr val="tx1"/>
-          </a:fontRef>
-        </p:style>
-      </p:cxnSp>
-      <p:cxnSp>
-        <p:nvCxnSpPr>
-          <p:cNvPr id="28" name="직선 연결선 27">
-            <a:extLst>
-              <a:ext uri="{FF2B5EF4-FFF2-40B4-BE49-F238E27FC236}">
-                <a16:creationId xmlns:a16="http://schemas.microsoft.com/office/drawing/2014/main" id="{7247D7A5-DD98-E80C-941C-2886205F448B}"/>
-              </a:ext>
-            </a:extLst>
-          </p:cNvPr>
-          <p:cNvCxnSpPr>
-            <a:stCxn id="24" idx="5"/>
-            <a:endCxn id="26" idx="0"/>
-          </p:cNvCxnSpPr>
-          <p:nvPr/>
-        </p:nvCxnSpPr>
-        <p:spPr>
-          <a:xfrm>
-            <a:off x="10830822" y="4694796"/>
-            <a:ext cx="156959" cy="162202"/>
-          </a:xfrm>
-          <a:prstGeom prst="line">
-            <a:avLst/>
-          </a:prstGeom>
-        </p:spPr>
-        <p:style>
-          <a:lnRef idx="1">
-            <a:schemeClr val="accent1"/>
-          </a:lnRef>
-          <a:fillRef idx="0">
-            <a:schemeClr val="accent1"/>
-          </a:fillRef>
-          <a:effectRef idx="0">
-            <a:schemeClr val="accent1"/>
-          </a:effectRef>
-          <a:fontRef idx="minor">
-            <a:schemeClr val="tx1"/>
-          </a:fontRef>
-        </p:style>
-      </p:cxnSp>
-      <p:sp>
-        <p:nvSpPr>
-          <p:cNvPr id="29" name="타원 28">
-            <a:extLst>
-              <a:ext uri="{FF2B5EF4-FFF2-40B4-BE49-F238E27FC236}">
-                <a16:creationId xmlns:a16="http://schemas.microsoft.com/office/drawing/2014/main" id="{D79C3EF3-898C-15E0-30BA-A4DBA778C3E7}"/>
-              </a:ext>
-            </a:extLst>
-          </p:cNvPr>
-          <p:cNvSpPr/>
-          <p:nvPr/>
-        </p:nvSpPr>
-        <p:spPr>
-          <a:xfrm>
-            <a:off x="11604205" y="4556095"/>
-            <a:ext cx="452063" cy="277402"/>
-          </a:xfrm>
-          <a:prstGeom prst="ellipse">
-            <a:avLst/>
-          </a:prstGeom>
-        </p:spPr>
-        <p:style>
-          <a:lnRef idx="2">
-            <a:schemeClr val="accent1">
-              <a:shade val="15000"/>
-            </a:schemeClr>
-          </a:lnRef>
-          <a:fillRef idx="1">
-            <a:schemeClr val="accent1"/>
-          </a:fillRef>
-          <a:effectRef idx="0">
-            <a:schemeClr val="accent1"/>
-          </a:effectRef>
-          <a:fontRef idx="minor">
-            <a:schemeClr val="lt1"/>
-          </a:fontRef>
-        </p:style>
-        <p:txBody>
-          <a:bodyPr rtlCol="0" anchor="ctr"/>
-          <a:lstStyle/>
-          <a:p>
-            <a:pPr algn="ctr"/>
-            <a:endParaRPr lang="ko-KR" altLang="en-US"/>
-          </a:p>
-        </p:txBody>
-      </p:sp>
-      <p:sp>
-        <p:nvSpPr>
-          <p:cNvPr id="30" name="타원 29">
-            <a:extLst>
-              <a:ext uri="{FF2B5EF4-FFF2-40B4-BE49-F238E27FC236}">
-                <a16:creationId xmlns:a16="http://schemas.microsoft.com/office/drawing/2014/main" id="{4F3BDFF2-BF67-6C3C-09A0-53D3EF83D5A5}"/>
-              </a:ext>
-            </a:extLst>
-          </p:cNvPr>
-          <p:cNvSpPr/>
-          <p:nvPr/>
-        </p:nvSpPr>
-        <p:spPr>
-          <a:xfrm>
-            <a:off x="11242897" y="4955074"/>
-            <a:ext cx="452063" cy="277402"/>
-          </a:xfrm>
-          <a:prstGeom prst="ellipse">
-            <a:avLst/>
-          </a:prstGeom>
-        </p:spPr>
-        <p:style>
-          <a:lnRef idx="2">
-            <a:schemeClr val="accent1">
-              <a:shade val="15000"/>
-            </a:schemeClr>
-          </a:lnRef>
-          <a:fillRef idx="1">
-            <a:schemeClr val="accent1"/>
-          </a:fillRef>
-          <a:effectRef idx="0">
-            <a:schemeClr val="accent1"/>
-          </a:effectRef>
-          <a:fontRef idx="minor">
-            <a:schemeClr val="lt1"/>
-          </a:fontRef>
-        </p:style>
-        <p:txBody>
-          <a:bodyPr rtlCol="0" anchor="ctr"/>
-          <a:lstStyle/>
-          <a:p>
-            <a:pPr algn="ctr"/>
-            <a:endParaRPr lang="ko-KR" altLang="en-US"/>
-          </a:p>
-        </p:txBody>
-      </p:sp>
-      <p:sp>
-        <p:nvSpPr>
-          <p:cNvPr id="64" name="타원 63">
-            <a:extLst>
-              <a:ext uri="{FF2B5EF4-FFF2-40B4-BE49-F238E27FC236}">
-                <a16:creationId xmlns:a16="http://schemas.microsoft.com/office/drawing/2014/main" id="{D0DE0664-163D-EDA0-4B69-E1B49B543D7F}"/>
-              </a:ext>
-            </a:extLst>
-          </p:cNvPr>
-          <p:cNvSpPr/>
-          <p:nvPr/>
-        </p:nvSpPr>
-        <p:spPr>
-          <a:xfrm>
-            <a:off x="11920992" y="4955074"/>
-            <a:ext cx="452063" cy="277402"/>
-          </a:xfrm>
-          <a:prstGeom prst="ellipse">
-            <a:avLst/>
-          </a:prstGeom>
-        </p:spPr>
-        <p:style>
-          <a:lnRef idx="2">
-            <a:schemeClr val="accent1">
-              <a:shade val="15000"/>
-            </a:schemeClr>
-          </a:lnRef>
-          <a:fillRef idx="1">
-            <a:schemeClr val="accent1"/>
-          </a:fillRef>
-          <a:effectRef idx="0">
-            <a:schemeClr val="accent1"/>
-          </a:effectRef>
-          <a:fontRef idx="minor">
-            <a:schemeClr val="lt1"/>
-          </a:fontRef>
-        </p:style>
-        <p:txBody>
-          <a:bodyPr rtlCol="0" anchor="ctr"/>
-          <a:lstStyle/>
-          <a:p>
-            <a:pPr algn="ctr"/>
-            <a:endParaRPr lang="ko-KR" altLang="en-US"/>
-          </a:p>
-        </p:txBody>
-      </p:sp>
-      <p:cxnSp>
-        <p:nvCxnSpPr>
-          <p:cNvPr id="65" name="직선 연결선 64">
-            <a:extLst>
-              <a:ext uri="{FF2B5EF4-FFF2-40B4-BE49-F238E27FC236}">
-                <a16:creationId xmlns:a16="http://schemas.microsoft.com/office/drawing/2014/main" id="{6398C42B-688F-13ED-FB6D-6560B55FE6FB}"/>
-              </a:ext>
-            </a:extLst>
-          </p:cNvPr>
-          <p:cNvCxnSpPr>
-            <a:cxnSpLocks/>
-            <a:stCxn id="29" idx="3"/>
-            <a:endCxn id="30" idx="0"/>
-          </p:cNvCxnSpPr>
-          <p:nvPr/>
-        </p:nvCxnSpPr>
-        <p:spPr>
-          <a:xfrm flipH="1">
-            <a:off x="11468929" y="4792872"/>
-            <a:ext cx="201479" cy="162202"/>
-          </a:xfrm>
-          <a:prstGeom prst="line">
-            <a:avLst/>
-          </a:prstGeom>
-        </p:spPr>
-        <p:style>
-          <a:lnRef idx="1">
-            <a:schemeClr val="accent1"/>
-          </a:lnRef>
-          <a:fillRef idx="0">
-            <a:schemeClr val="accent1"/>
-          </a:fillRef>
-          <a:effectRef idx="0">
-            <a:schemeClr val="accent1"/>
-          </a:effectRef>
-          <a:fontRef idx="minor">
-            <a:schemeClr val="tx1"/>
-          </a:fontRef>
-        </p:style>
-      </p:cxnSp>
-      <p:cxnSp>
-        <p:nvCxnSpPr>
-          <p:cNvPr id="66" name="직선 연결선 65">
-            <a:extLst>
-              <a:ext uri="{FF2B5EF4-FFF2-40B4-BE49-F238E27FC236}">
-                <a16:creationId xmlns:a16="http://schemas.microsoft.com/office/drawing/2014/main" id="{FA969620-6938-771D-3E61-F59DD98E9D96}"/>
-              </a:ext>
-            </a:extLst>
-          </p:cNvPr>
-          <p:cNvCxnSpPr>
-            <a:stCxn id="29" idx="5"/>
-            <a:endCxn id="64" idx="0"/>
-          </p:cNvCxnSpPr>
-          <p:nvPr/>
-        </p:nvCxnSpPr>
-        <p:spPr>
-          <a:xfrm>
-            <a:off x="11990065" y="4792872"/>
-            <a:ext cx="156959" cy="162202"/>
-          </a:xfrm>
-          <a:prstGeom prst="line">
-            <a:avLst/>
-          </a:prstGeom>
-        </p:spPr>
-        <p:style>
-          <a:lnRef idx="1">
-            <a:schemeClr val="accent1"/>
-          </a:lnRef>
-          <a:fillRef idx="0">
-            <a:schemeClr val="accent1"/>
-          </a:fillRef>
-          <a:effectRef idx="0">
-            <a:schemeClr val="accent1"/>
-          </a:effectRef>
-          <a:fontRef idx="minor">
-            <a:schemeClr val="tx1"/>
-          </a:fontRef>
-        </p:style>
-      </p:cxnSp>
-      <p:cxnSp>
-        <p:nvCxnSpPr>
-          <p:cNvPr id="67" name="직선 연결선 66">
-            <a:extLst>
-              <a:ext uri="{FF2B5EF4-FFF2-40B4-BE49-F238E27FC236}">
-                <a16:creationId xmlns:a16="http://schemas.microsoft.com/office/drawing/2014/main" id="{E904B676-95B0-B1F5-554B-6AE812BA6756}"/>
-              </a:ext>
-            </a:extLst>
-          </p:cNvPr>
-          <p:cNvCxnSpPr>
-            <a:stCxn id="11" idx="6"/>
-            <a:endCxn id="19" idx="0"/>
-          </p:cNvCxnSpPr>
-          <p:nvPr/>
-        </p:nvCxnSpPr>
-        <p:spPr>
-          <a:xfrm>
-            <a:off x="11862796" y="4139992"/>
-            <a:ext cx="1166672" cy="326908"/>
-          </a:xfrm>
-          <a:prstGeom prst="line">
-            <a:avLst/>
-          </a:prstGeom>
-        </p:spPr>
-        <p:style>
-          <a:lnRef idx="1">
-            <a:schemeClr val="accent1"/>
-          </a:lnRef>
-          <a:fillRef idx="0">
-            <a:schemeClr val="accent1"/>
-          </a:fillRef>
-          <a:effectRef idx="0">
-            <a:schemeClr val="accent1"/>
-          </a:effectRef>
-          <a:fontRef idx="minor">
-            <a:schemeClr val="tx1"/>
-          </a:fontRef>
-        </p:style>
-      </p:cxnSp>
-      <p:cxnSp>
-        <p:nvCxnSpPr>
-          <p:cNvPr id="68" name="직선 연결선 67">
-            <a:extLst>
-              <a:ext uri="{FF2B5EF4-FFF2-40B4-BE49-F238E27FC236}">
-                <a16:creationId xmlns:a16="http://schemas.microsoft.com/office/drawing/2014/main" id="{F4C9519C-5E5D-FB2A-2903-B3C1909DD025}"/>
-              </a:ext>
-            </a:extLst>
-          </p:cNvPr>
-          <p:cNvCxnSpPr>
-            <a:cxnSpLocks/>
-            <a:stCxn id="11" idx="3"/>
-            <a:endCxn id="29" idx="0"/>
-          </p:cNvCxnSpPr>
-          <p:nvPr/>
-        </p:nvCxnSpPr>
-        <p:spPr>
-          <a:xfrm>
-            <a:off x="11476936" y="4238068"/>
-            <a:ext cx="353301" cy="318027"/>
-          </a:xfrm>
-          <a:prstGeom prst="line">
-            <a:avLst/>
-          </a:prstGeom>
-        </p:spPr>
-        <p:style>
-          <a:lnRef idx="1">
-            <a:schemeClr val="accent1"/>
-          </a:lnRef>
-          <a:fillRef idx="0">
-            <a:schemeClr val="accent1"/>
-          </a:fillRef>
-          <a:effectRef idx="0">
-            <a:schemeClr val="accent1"/>
-          </a:effectRef>
-          <a:fontRef idx="minor">
-            <a:schemeClr val="tx1"/>
-          </a:fontRef>
-        </p:style>
-      </p:cxnSp>
-      <p:cxnSp>
-        <p:nvCxnSpPr>
-          <p:cNvPr id="69" name="직선 연결선 68">
-            <a:extLst>
-              <a:ext uri="{FF2B5EF4-FFF2-40B4-BE49-F238E27FC236}">
-                <a16:creationId xmlns:a16="http://schemas.microsoft.com/office/drawing/2014/main" id="{34483605-9ED6-A47E-EB56-25ECE750EE84}"/>
-              </a:ext>
-            </a:extLst>
-          </p:cNvPr>
-          <p:cNvCxnSpPr>
-            <a:cxnSpLocks/>
-            <a:stCxn id="10" idx="3"/>
-            <a:endCxn id="14" idx="0"/>
-          </p:cNvCxnSpPr>
-          <p:nvPr/>
-        </p:nvCxnSpPr>
-        <p:spPr>
-          <a:xfrm flipH="1">
-            <a:off x="9432933" y="4191514"/>
-            <a:ext cx="382989" cy="266505"/>
-          </a:xfrm>
-          <a:prstGeom prst="line">
-            <a:avLst/>
-          </a:prstGeom>
-        </p:spPr>
-        <p:style>
-          <a:lnRef idx="1">
-            <a:schemeClr val="accent1"/>
-          </a:lnRef>
-          <a:fillRef idx="0">
-            <a:schemeClr val="accent1"/>
-          </a:fillRef>
-          <a:effectRef idx="0">
-            <a:schemeClr val="accent1"/>
-          </a:effectRef>
-          <a:fontRef idx="minor">
-            <a:schemeClr val="tx1"/>
-          </a:fontRef>
-        </p:style>
-      </p:cxnSp>
-      <p:cxnSp>
-        <p:nvCxnSpPr>
-          <p:cNvPr id="70" name="직선 연결선 69">
-            <a:extLst>
-              <a:ext uri="{FF2B5EF4-FFF2-40B4-BE49-F238E27FC236}">
-                <a16:creationId xmlns:a16="http://schemas.microsoft.com/office/drawing/2014/main" id="{EF89CFC7-3588-C136-8DB0-A0BF0965F152}"/>
-              </a:ext>
-            </a:extLst>
-          </p:cNvPr>
-          <p:cNvCxnSpPr>
-            <a:cxnSpLocks/>
-            <a:stCxn id="24" idx="1"/>
-            <a:endCxn id="10" idx="5"/>
-          </p:cNvCxnSpPr>
-          <p:nvPr/>
-        </p:nvCxnSpPr>
-        <p:spPr>
-          <a:xfrm flipH="1" flipV="1">
-            <a:off x="10135579" y="4191514"/>
-            <a:ext cx="375586" cy="307130"/>
-          </a:xfrm>
-          <a:prstGeom prst="line">
-            <a:avLst/>
-          </a:prstGeom>
-        </p:spPr>
-        <p:style>
-          <a:lnRef idx="1">
-            <a:schemeClr val="accent1"/>
-          </a:lnRef>
-          <a:fillRef idx="0">
-            <a:schemeClr val="accent1"/>
-          </a:fillRef>
-          <a:effectRef idx="0">
-            <a:schemeClr val="accent1"/>
-          </a:effectRef>
-          <a:fontRef idx="minor">
-            <a:schemeClr val="tx1"/>
-          </a:fontRef>
-        </p:style>
-      </p:cxnSp>
-      <p:cxnSp>
-        <p:nvCxnSpPr>
-          <p:cNvPr id="71" name="직선 연결선 70">
-            <a:extLst>
-              <a:ext uri="{FF2B5EF4-FFF2-40B4-BE49-F238E27FC236}">
-                <a16:creationId xmlns:a16="http://schemas.microsoft.com/office/drawing/2014/main" id="{DA81BFF8-BFD5-E98E-E2E1-BF0F2C18B68C}"/>
-              </a:ext>
-            </a:extLst>
-          </p:cNvPr>
-          <p:cNvCxnSpPr>
-            <a:cxnSpLocks/>
-            <a:stCxn id="134" idx="4"/>
-            <a:endCxn id="9" idx="0"/>
-          </p:cNvCxnSpPr>
-          <p:nvPr/>
-        </p:nvCxnSpPr>
-        <p:spPr>
-          <a:xfrm flipH="1">
-            <a:off x="10667545" y="3065734"/>
-            <a:ext cx="41576" cy="490024"/>
-          </a:xfrm>
-          <a:prstGeom prst="line">
-            <a:avLst/>
-          </a:prstGeom>
-        </p:spPr>
-        <p:style>
-          <a:lnRef idx="1">
-            <a:schemeClr val="accent1"/>
-          </a:lnRef>
-          <a:fillRef idx="0">
-            <a:schemeClr val="accent1"/>
-          </a:fillRef>
-          <a:effectRef idx="0">
-            <a:schemeClr val="accent1"/>
-          </a:effectRef>
-          <a:fontRef idx="minor">
-            <a:schemeClr val="tx1"/>
-          </a:fontRef>
-        </p:style>
-      </p:cxnSp>
-      <p:sp>
-        <p:nvSpPr>
-          <p:cNvPr id="73" name="타원 72">
-            <a:extLst>
-              <a:ext uri="{FF2B5EF4-FFF2-40B4-BE49-F238E27FC236}">
-                <a16:creationId xmlns:a16="http://schemas.microsoft.com/office/drawing/2014/main" id="{295102E2-0EA6-B072-CC49-E286B84507D4}"/>
-              </a:ext>
-            </a:extLst>
-          </p:cNvPr>
-          <p:cNvSpPr/>
-          <p:nvPr/>
-        </p:nvSpPr>
-        <p:spPr>
-          <a:xfrm>
-            <a:off x="3445291" y="5257714"/>
-            <a:ext cx="452063" cy="277402"/>
-          </a:xfrm>
-          <a:prstGeom prst="ellipse">
-            <a:avLst/>
-          </a:prstGeom>
-        </p:spPr>
-        <p:style>
-          <a:lnRef idx="2">
-            <a:schemeClr val="accent1">
-              <a:shade val="15000"/>
-            </a:schemeClr>
-          </a:lnRef>
-          <a:fillRef idx="1">
-            <a:schemeClr val="accent1"/>
-          </a:fillRef>
-          <a:effectRef idx="0">
-            <a:schemeClr val="accent1"/>
-          </a:effectRef>
-          <a:fontRef idx="minor">
-            <a:schemeClr val="lt1"/>
-          </a:fontRef>
-        </p:style>
-        <p:txBody>
-          <a:bodyPr rtlCol="0" anchor="ctr"/>
-          <a:lstStyle/>
-          <a:p>
-            <a:pPr algn="ctr"/>
-            <a:r>
-              <a:rPr lang="en-US" altLang="ko-KR" dirty="0"/>
-              <a:t>4</a:t>
-            </a:r>
-            <a:endParaRPr lang="ko-KR" altLang="en-US" dirty="0"/>
-          </a:p>
-        </p:txBody>
-      </p:sp>
-      <p:sp>
-        <p:nvSpPr>
-          <p:cNvPr id="74" name="타원 73">
-            <a:extLst>
-              <a:ext uri="{FF2B5EF4-FFF2-40B4-BE49-F238E27FC236}">
-                <a16:creationId xmlns:a16="http://schemas.microsoft.com/office/drawing/2014/main" id="{28C81782-9392-B4E6-0AC2-E48F5BBE0109}"/>
-              </a:ext>
-            </a:extLst>
-          </p:cNvPr>
-          <p:cNvSpPr/>
-          <p:nvPr/>
-        </p:nvSpPr>
-        <p:spPr>
-          <a:xfrm>
-            <a:off x="2753497" y="5656693"/>
-            <a:ext cx="452063" cy="277402"/>
-          </a:xfrm>
-          <a:prstGeom prst="ellipse">
-            <a:avLst/>
-          </a:prstGeom>
-        </p:spPr>
-        <p:style>
-          <a:lnRef idx="2">
-            <a:schemeClr val="accent1">
-              <a:shade val="15000"/>
-            </a:schemeClr>
-          </a:lnRef>
-          <a:fillRef idx="1">
-            <a:schemeClr val="accent1"/>
-          </a:fillRef>
-          <a:effectRef idx="0">
-            <a:schemeClr val="accent1"/>
-          </a:effectRef>
-          <a:fontRef idx="minor">
-            <a:schemeClr val="lt1"/>
-          </a:fontRef>
-        </p:style>
-        <p:txBody>
-          <a:bodyPr rtlCol="0" anchor="ctr"/>
-          <a:lstStyle/>
-          <a:p>
-            <a:pPr algn="ctr"/>
-            <a:endParaRPr lang="ko-KR" altLang="en-US"/>
-          </a:p>
-        </p:txBody>
-      </p:sp>
-      <p:sp>
-        <p:nvSpPr>
-          <p:cNvPr id="75" name="타원 74">
-            <a:extLst>
-              <a:ext uri="{FF2B5EF4-FFF2-40B4-BE49-F238E27FC236}">
-                <a16:creationId xmlns:a16="http://schemas.microsoft.com/office/drawing/2014/main" id="{9BAB4257-10B7-E04A-6722-D243547E5A5B}"/>
-              </a:ext>
-            </a:extLst>
-          </p:cNvPr>
-          <p:cNvSpPr/>
-          <p:nvPr/>
-        </p:nvSpPr>
-        <p:spPr>
-          <a:xfrm>
-            <a:off x="4414511" y="5703247"/>
-            <a:ext cx="452063" cy="277402"/>
-          </a:xfrm>
-          <a:prstGeom prst="ellipse">
-            <a:avLst/>
-          </a:prstGeom>
-        </p:spPr>
-        <p:style>
-          <a:lnRef idx="2">
-            <a:schemeClr val="accent1">
-              <a:shade val="15000"/>
-            </a:schemeClr>
-          </a:lnRef>
-          <a:fillRef idx="1">
-            <a:schemeClr val="accent1"/>
-          </a:fillRef>
-          <a:effectRef idx="0">
-            <a:schemeClr val="accent1"/>
-          </a:effectRef>
-          <a:fontRef idx="minor">
-            <a:schemeClr val="lt1"/>
-          </a:fontRef>
-        </p:style>
-        <p:txBody>
-          <a:bodyPr rtlCol="0" anchor="ctr"/>
-          <a:lstStyle/>
-          <a:p>
-            <a:pPr algn="ctr"/>
-            <a:r>
-              <a:rPr lang="en-US" altLang="ko-KR" dirty="0"/>
-              <a:t>3</a:t>
-            </a:r>
-            <a:endParaRPr lang="ko-KR" altLang="en-US" dirty="0"/>
-          </a:p>
-        </p:txBody>
-      </p:sp>
-      <p:cxnSp>
-        <p:nvCxnSpPr>
-          <p:cNvPr id="76" name="직선 연결선 75">
-            <a:extLst>
-              <a:ext uri="{FF2B5EF4-FFF2-40B4-BE49-F238E27FC236}">
-                <a16:creationId xmlns:a16="http://schemas.microsoft.com/office/drawing/2014/main" id="{FC11D825-C76F-A86A-20BD-306141E6CE50}"/>
-              </a:ext>
-            </a:extLst>
-          </p:cNvPr>
-          <p:cNvCxnSpPr>
-            <a:cxnSpLocks/>
-            <a:stCxn id="73" idx="3"/>
-            <a:endCxn id="74" idx="0"/>
-          </p:cNvCxnSpPr>
-          <p:nvPr/>
-        </p:nvCxnSpPr>
-        <p:spPr>
-          <a:xfrm flipH="1">
-            <a:off x="2979529" y="5494491"/>
-            <a:ext cx="531965" cy="162202"/>
-          </a:xfrm>
-          <a:prstGeom prst="line">
-            <a:avLst/>
-          </a:prstGeom>
-        </p:spPr>
-        <p:style>
-          <a:lnRef idx="1">
-            <a:schemeClr val="accent1"/>
-          </a:lnRef>
-          <a:fillRef idx="0">
-            <a:schemeClr val="accent1"/>
-          </a:fillRef>
-          <a:effectRef idx="0">
-            <a:schemeClr val="accent1"/>
-          </a:effectRef>
-          <a:fontRef idx="minor">
-            <a:schemeClr val="tx1"/>
-          </a:fontRef>
-        </p:style>
-      </p:cxnSp>
-      <p:cxnSp>
-        <p:nvCxnSpPr>
-          <p:cNvPr id="77" name="직선 연결선 76">
-            <a:extLst>
-              <a:ext uri="{FF2B5EF4-FFF2-40B4-BE49-F238E27FC236}">
-                <a16:creationId xmlns:a16="http://schemas.microsoft.com/office/drawing/2014/main" id="{62347183-E1AB-18A1-30A0-45FD7E2CCCC9}"/>
-              </a:ext>
-            </a:extLst>
-          </p:cNvPr>
-          <p:cNvCxnSpPr>
-            <a:cxnSpLocks/>
-            <a:stCxn id="73" idx="5"/>
-            <a:endCxn id="75" idx="0"/>
-          </p:cNvCxnSpPr>
-          <p:nvPr/>
-        </p:nvCxnSpPr>
-        <p:spPr>
-          <a:xfrm>
-            <a:off x="3831151" y="5494491"/>
-            <a:ext cx="809392" cy="208756"/>
-          </a:xfrm>
-          <a:prstGeom prst="line">
-            <a:avLst/>
-          </a:prstGeom>
-        </p:spPr>
-        <p:style>
-          <a:lnRef idx="1">
-            <a:schemeClr val="accent1"/>
-          </a:lnRef>
-          <a:fillRef idx="0">
-            <a:schemeClr val="accent1"/>
-          </a:fillRef>
-          <a:effectRef idx="0">
-            <a:schemeClr val="accent1"/>
-          </a:effectRef>
-          <a:fontRef idx="minor">
-            <a:schemeClr val="tx1"/>
-          </a:fontRef>
-        </p:style>
-      </p:cxnSp>
-      <p:sp>
-        <p:nvSpPr>
-          <p:cNvPr id="78" name="타원 77">
-            <a:extLst>
-              <a:ext uri="{FF2B5EF4-FFF2-40B4-BE49-F238E27FC236}">
-                <a16:creationId xmlns:a16="http://schemas.microsoft.com/office/drawing/2014/main" id="{FFB874E9-F9C1-26F0-CFBE-57752E91CFE9}"/>
-              </a:ext>
-            </a:extLst>
-          </p:cNvPr>
-          <p:cNvSpPr/>
-          <p:nvPr/>
-        </p:nvSpPr>
-        <p:spPr>
-          <a:xfrm>
-            <a:off x="2210679" y="6159975"/>
-            <a:ext cx="452063" cy="277402"/>
-          </a:xfrm>
-          <a:prstGeom prst="ellipse">
-            <a:avLst/>
-          </a:prstGeom>
-        </p:spPr>
-        <p:style>
-          <a:lnRef idx="2">
-            <a:schemeClr val="accent1">
-              <a:shade val="15000"/>
-            </a:schemeClr>
-          </a:lnRef>
-          <a:fillRef idx="1">
-            <a:schemeClr val="accent1"/>
-          </a:fillRef>
-          <a:effectRef idx="0">
-            <a:schemeClr val="accent1"/>
-          </a:effectRef>
-          <a:fontRef idx="minor">
-            <a:schemeClr val="lt1"/>
-          </a:fontRef>
-        </p:style>
-        <p:txBody>
-          <a:bodyPr rtlCol="0" anchor="ctr"/>
-          <a:lstStyle/>
-          <a:p>
-            <a:pPr algn="ctr"/>
-            <a:endParaRPr lang="ko-KR" altLang="en-US"/>
-          </a:p>
-        </p:txBody>
-      </p:sp>
-      <p:sp>
-        <p:nvSpPr>
-          <p:cNvPr id="79" name="타원 78">
-            <a:extLst>
-              <a:ext uri="{FF2B5EF4-FFF2-40B4-BE49-F238E27FC236}">
-                <a16:creationId xmlns:a16="http://schemas.microsoft.com/office/drawing/2014/main" id="{DC9ACCAD-D3B3-365F-34BD-D447332D5752}"/>
-              </a:ext>
-            </a:extLst>
-          </p:cNvPr>
-          <p:cNvSpPr/>
-          <p:nvPr/>
-        </p:nvSpPr>
-        <p:spPr>
-          <a:xfrm>
-            <a:off x="1849371" y="6558954"/>
-            <a:ext cx="452063" cy="277402"/>
-          </a:xfrm>
-          <a:prstGeom prst="ellipse">
-            <a:avLst/>
-          </a:prstGeom>
-        </p:spPr>
-        <p:style>
-          <a:lnRef idx="2">
-            <a:schemeClr val="accent1">
-              <a:shade val="15000"/>
-            </a:schemeClr>
-          </a:lnRef>
-          <a:fillRef idx="1">
-            <a:schemeClr val="accent1"/>
-          </a:fillRef>
-          <a:effectRef idx="0">
-            <a:schemeClr val="accent1"/>
-          </a:effectRef>
-          <a:fontRef idx="minor">
-            <a:schemeClr val="lt1"/>
-          </a:fontRef>
-        </p:style>
-        <p:txBody>
-          <a:bodyPr rtlCol="0" anchor="ctr"/>
-          <a:lstStyle/>
-          <a:p>
-            <a:pPr algn="ctr"/>
-            <a:endParaRPr lang="ko-KR" altLang="en-US"/>
-          </a:p>
-        </p:txBody>
-      </p:sp>
-      <p:sp>
-        <p:nvSpPr>
-          <p:cNvPr id="80" name="타원 79">
-            <a:extLst>
-              <a:ext uri="{FF2B5EF4-FFF2-40B4-BE49-F238E27FC236}">
-                <a16:creationId xmlns:a16="http://schemas.microsoft.com/office/drawing/2014/main" id="{BE400D5F-4808-CAB4-D217-CB760040D21C}"/>
-              </a:ext>
-            </a:extLst>
-          </p:cNvPr>
-          <p:cNvSpPr/>
-          <p:nvPr/>
-        </p:nvSpPr>
-        <p:spPr>
-          <a:xfrm>
-            <a:off x="2527466" y="6558954"/>
-            <a:ext cx="452063" cy="277402"/>
-          </a:xfrm>
-          <a:prstGeom prst="ellipse">
-            <a:avLst/>
-          </a:prstGeom>
-        </p:spPr>
-        <p:style>
-          <a:lnRef idx="2">
-            <a:schemeClr val="accent1">
-              <a:shade val="15000"/>
-            </a:schemeClr>
-          </a:lnRef>
-          <a:fillRef idx="1">
-            <a:schemeClr val="accent1"/>
-          </a:fillRef>
-          <a:effectRef idx="0">
-            <a:schemeClr val="accent1"/>
-          </a:effectRef>
-          <a:fontRef idx="minor">
-            <a:schemeClr val="lt1"/>
-          </a:fontRef>
-        </p:style>
-        <p:txBody>
-          <a:bodyPr rtlCol="0" anchor="ctr"/>
-          <a:lstStyle/>
-          <a:p>
-            <a:pPr algn="ctr"/>
-            <a:endParaRPr lang="ko-KR" altLang="en-US"/>
-          </a:p>
-        </p:txBody>
-      </p:sp>
-      <p:cxnSp>
-        <p:nvCxnSpPr>
-          <p:cNvPr id="81" name="직선 연결선 80">
-            <a:extLst>
-              <a:ext uri="{FF2B5EF4-FFF2-40B4-BE49-F238E27FC236}">
-                <a16:creationId xmlns:a16="http://schemas.microsoft.com/office/drawing/2014/main" id="{4C9DE661-E1F4-C7A8-DEF5-56EE5D592D7D}"/>
-              </a:ext>
-            </a:extLst>
-          </p:cNvPr>
-          <p:cNvCxnSpPr>
-            <a:cxnSpLocks/>
-            <a:stCxn id="78" idx="3"/>
-            <a:endCxn id="79" idx="0"/>
-          </p:cNvCxnSpPr>
-          <p:nvPr/>
-        </p:nvCxnSpPr>
-        <p:spPr>
-          <a:xfrm flipH="1">
-            <a:off x="2075403" y="6396752"/>
-            <a:ext cx="201479" cy="162202"/>
-          </a:xfrm>
-          <a:prstGeom prst="line">
-            <a:avLst/>
-          </a:prstGeom>
-        </p:spPr>
-        <p:style>
-          <a:lnRef idx="1">
-            <a:schemeClr val="accent1"/>
-          </a:lnRef>
-          <a:fillRef idx="0">
-            <a:schemeClr val="accent1"/>
-          </a:fillRef>
-          <a:effectRef idx="0">
-            <a:schemeClr val="accent1"/>
-          </a:effectRef>
-          <a:fontRef idx="minor">
-            <a:schemeClr val="tx1"/>
-          </a:fontRef>
-        </p:style>
-      </p:cxnSp>
-      <p:cxnSp>
-        <p:nvCxnSpPr>
-          <p:cNvPr id="82" name="직선 연결선 81">
-            <a:extLst>
-              <a:ext uri="{FF2B5EF4-FFF2-40B4-BE49-F238E27FC236}">
-                <a16:creationId xmlns:a16="http://schemas.microsoft.com/office/drawing/2014/main" id="{CA68B239-3F0E-5308-F823-561816D314A1}"/>
-              </a:ext>
-            </a:extLst>
-          </p:cNvPr>
-          <p:cNvCxnSpPr>
-            <a:stCxn id="78" idx="5"/>
-            <a:endCxn id="80" idx="0"/>
-          </p:cNvCxnSpPr>
-          <p:nvPr/>
-        </p:nvCxnSpPr>
-        <p:spPr>
-          <a:xfrm>
-            <a:off x="2596539" y="6396752"/>
-            <a:ext cx="156959" cy="162202"/>
-          </a:xfrm>
-          <a:prstGeom prst="line">
-            <a:avLst/>
-          </a:prstGeom>
-        </p:spPr>
-        <p:style>
-          <a:lnRef idx="1">
-            <a:schemeClr val="accent1"/>
-          </a:lnRef>
-          <a:fillRef idx="0">
-            <a:schemeClr val="accent1"/>
-          </a:fillRef>
-          <a:effectRef idx="0">
-            <a:schemeClr val="accent1"/>
-          </a:effectRef>
-          <a:fontRef idx="minor">
-            <a:schemeClr val="tx1"/>
-          </a:fontRef>
-        </p:style>
-      </p:cxnSp>
-      <p:sp>
-        <p:nvSpPr>
-          <p:cNvPr id="83" name="타원 82">
-            <a:extLst>
-              <a:ext uri="{FF2B5EF4-FFF2-40B4-BE49-F238E27FC236}">
-                <a16:creationId xmlns:a16="http://schemas.microsoft.com/office/drawing/2014/main" id="{EF6B6538-FD3C-E161-8413-51837DDD6858}"/>
-              </a:ext>
-            </a:extLst>
-          </p:cNvPr>
-          <p:cNvSpPr/>
-          <p:nvPr/>
-        </p:nvSpPr>
-        <p:spPr>
-          <a:xfrm>
-            <a:off x="5807214" y="6168856"/>
-            <a:ext cx="452063" cy="277402"/>
-          </a:xfrm>
-          <a:prstGeom prst="ellipse">
-            <a:avLst/>
-          </a:prstGeom>
-        </p:spPr>
-        <p:style>
-          <a:lnRef idx="2">
-            <a:schemeClr val="accent1">
-              <a:shade val="15000"/>
-            </a:schemeClr>
-          </a:lnRef>
-          <a:fillRef idx="1">
-            <a:schemeClr val="accent1"/>
-          </a:fillRef>
-          <a:effectRef idx="0">
-            <a:schemeClr val="accent1"/>
-          </a:effectRef>
-          <a:fontRef idx="minor">
-            <a:schemeClr val="lt1"/>
-          </a:fontRef>
-        </p:style>
-        <p:txBody>
-          <a:bodyPr rtlCol="0" anchor="ctr"/>
-          <a:lstStyle/>
-          <a:p>
-            <a:pPr algn="ctr"/>
-            <a:r>
-              <a:rPr lang="en-US" altLang="ko-KR" dirty="0"/>
-              <a:t>2</a:t>
-            </a:r>
-            <a:endParaRPr lang="ko-KR" altLang="en-US" dirty="0"/>
-          </a:p>
-        </p:txBody>
-      </p:sp>
-      <p:sp>
-        <p:nvSpPr>
-          <p:cNvPr id="84" name="타원 83">
-            <a:extLst>
-              <a:ext uri="{FF2B5EF4-FFF2-40B4-BE49-F238E27FC236}">
-                <a16:creationId xmlns:a16="http://schemas.microsoft.com/office/drawing/2014/main" id="{C1C5656D-561A-D563-75D7-0B9E8E56C5C5}"/>
-              </a:ext>
-            </a:extLst>
-          </p:cNvPr>
-          <p:cNvSpPr/>
-          <p:nvPr/>
-        </p:nvSpPr>
-        <p:spPr>
-          <a:xfrm>
-            <a:off x="5445906" y="6567835"/>
-            <a:ext cx="452063" cy="277402"/>
-          </a:xfrm>
-          <a:prstGeom prst="ellipse">
-            <a:avLst/>
-          </a:prstGeom>
-        </p:spPr>
-        <p:style>
-          <a:lnRef idx="2">
-            <a:schemeClr val="accent1">
-              <a:shade val="15000"/>
-            </a:schemeClr>
-          </a:lnRef>
-          <a:fillRef idx="1">
-            <a:schemeClr val="accent1"/>
-          </a:fillRef>
-          <a:effectRef idx="0">
-            <a:schemeClr val="accent1"/>
-          </a:effectRef>
-          <a:fontRef idx="minor">
-            <a:schemeClr val="lt1"/>
-          </a:fontRef>
-        </p:style>
-        <p:txBody>
-          <a:bodyPr rtlCol="0" anchor="ctr"/>
-          <a:lstStyle/>
-          <a:p>
-            <a:pPr algn="ctr"/>
-            <a:endParaRPr lang="ko-KR" altLang="en-US"/>
-          </a:p>
-        </p:txBody>
-      </p:sp>
-      <p:sp>
-        <p:nvSpPr>
-          <p:cNvPr id="85" name="타원 84">
-            <a:extLst>
-              <a:ext uri="{FF2B5EF4-FFF2-40B4-BE49-F238E27FC236}">
-                <a16:creationId xmlns:a16="http://schemas.microsoft.com/office/drawing/2014/main" id="{3C6B835B-0B6E-E3EA-DE42-57C18D817BCB}"/>
-              </a:ext>
-            </a:extLst>
-          </p:cNvPr>
-          <p:cNvSpPr/>
-          <p:nvPr/>
-        </p:nvSpPr>
-        <p:spPr>
-          <a:xfrm>
-            <a:off x="6124001" y="6567835"/>
-            <a:ext cx="452063" cy="277402"/>
-          </a:xfrm>
-          <a:prstGeom prst="ellipse">
-            <a:avLst/>
-          </a:prstGeom>
-        </p:spPr>
-        <p:style>
-          <a:lnRef idx="2">
-            <a:schemeClr val="accent1">
-              <a:shade val="15000"/>
-            </a:schemeClr>
-          </a:lnRef>
-          <a:fillRef idx="1">
-            <a:schemeClr val="accent1"/>
-          </a:fillRef>
-          <a:effectRef idx="0">
-            <a:schemeClr val="accent1"/>
-          </a:effectRef>
-          <a:fontRef idx="minor">
-            <a:schemeClr val="lt1"/>
-          </a:fontRef>
-        </p:style>
-        <p:txBody>
-          <a:bodyPr rtlCol="0" anchor="ctr"/>
-          <a:lstStyle/>
-          <a:p>
-            <a:pPr algn="ctr"/>
-            <a:endParaRPr lang="ko-KR" altLang="en-US"/>
-          </a:p>
-        </p:txBody>
-      </p:sp>
-      <p:cxnSp>
-        <p:nvCxnSpPr>
-          <p:cNvPr id="86" name="직선 연결선 85">
-            <a:extLst>
-              <a:ext uri="{FF2B5EF4-FFF2-40B4-BE49-F238E27FC236}">
-                <a16:creationId xmlns:a16="http://schemas.microsoft.com/office/drawing/2014/main" id="{C1936303-8E56-7C42-C333-D879DA4D6CFA}"/>
-              </a:ext>
-            </a:extLst>
-          </p:cNvPr>
-          <p:cNvCxnSpPr>
-            <a:cxnSpLocks/>
-            <a:stCxn id="83" idx="3"/>
-            <a:endCxn id="84" idx="0"/>
-          </p:cNvCxnSpPr>
-          <p:nvPr/>
-        </p:nvCxnSpPr>
-        <p:spPr>
-          <a:xfrm flipH="1">
-            <a:off x="5671938" y="6405633"/>
-            <a:ext cx="201479" cy="162202"/>
-          </a:xfrm>
-          <a:prstGeom prst="line">
-            <a:avLst/>
-          </a:prstGeom>
-        </p:spPr>
-        <p:style>
-          <a:lnRef idx="1">
-            <a:schemeClr val="accent1"/>
-          </a:lnRef>
-          <a:fillRef idx="0">
-            <a:schemeClr val="accent1"/>
-          </a:fillRef>
-          <a:effectRef idx="0">
-            <a:schemeClr val="accent1"/>
-          </a:effectRef>
-          <a:fontRef idx="minor">
-            <a:schemeClr val="tx1"/>
-          </a:fontRef>
-        </p:style>
-      </p:cxnSp>
-      <p:cxnSp>
-        <p:nvCxnSpPr>
-          <p:cNvPr id="87" name="직선 연결선 86">
-            <a:extLst>
-              <a:ext uri="{FF2B5EF4-FFF2-40B4-BE49-F238E27FC236}">
-                <a16:creationId xmlns:a16="http://schemas.microsoft.com/office/drawing/2014/main" id="{D2AB27FF-1FCE-D242-368F-869C25AAAECF}"/>
-              </a:ext>
-            </a:extLst>
-          </p:cNvPr>
-          <p:cNvCxnSpPr>
-            <a:stCxn id="83" idx="5"/>
-            <a:endCxn id="85" idx="0"/>
-          </p:cNvCxnSpPr>
-          <p:nvPr/>
-        </p:nvCxnSpPr>
-        <p:spPr>
-          <a:xfrm>
-            <a:off x="6193074" y="6405633"/>
-            <a:ext cx="156959" cy="162202"/>
-          </a:xfrm>
-          <a:prstGeom prst="line">
-            <a:avLst/>
-          </a:prstGeom>
-        </p:spPr>
-        <p:style>
-          <a:lnRef idx="1">
-            <a:schemeClr val="accent1"/>
-          </a:lnRef>
-          <a:fillRef idx="0">
-            <a:schemeClr val="accent1"/>
-          </a:fillRef>
-          <a:effectRef idx="0">
-            <a:schemeClr val="accent1"/>
-          </a:effectRef>
-          <a:fontRef idx="minor">
-            <a:schemeClr val="tx1"/>
-          </a:fontRef>
-        </p:style>
-      </p:cxnSp>
-      <p:sp>
-        <p:nvSpPr>
-          <p:cNvPr id="88" name="타원 87">
-            <a:extLst>
-              <a:ext uri="{FF2B5EF4-FFF2-40B4-BE49-F238E27FC236}">
-                <a16:creationId xmlns:a16="http://schemas.microsoft.com/office/drawing/2014/main" id="{1CB08237-334A-C707-2ADB-1EEFC38C3BA8}"/>
-              </a:ext>
-            </a:extLst>
-          </p:cNvPr>
-          <p:cNvSpPr/>
-          <p:nvPr/>
-        </p:nvSpPr>
-        <p:spPr>
-          <a:xfrm>
-            <a:off x="3448740" y="6159975"/>
-            <a:ext cx="452063" cy="277402"/>
-          </a:xfrm>
-          <a:prstGeom prst="ellipse">
-            <a:avLst/>
-          </a:prstGeom>
-        </p:spPr>
-        <p:style>
-          <a:lnRef idx="2">
-            <a:schemeClr val="accent1">
-              <a:shade val="15000"/>
-            </a:schemeClr>
-          </a:lnRef>
-          <a:fillRef idx="1">
-            <a:schemeClr val="accent1"/>
-          </a:fillRef>
-          <a:effectRef idx="0">
-            <a:schemeClr val="accent1"/>
-          </a:effectRef>
-          <a:fontRef idx="minor">
-            <a:schemeClr val="lt1"/>
-          </a:fontRef>
-        </p:style>
-        <p:txBody>
-          <a:bodyPr rtlCol="0" anchor="ctr"/>
-          <a:lstStyle/>
-          <a:p>
-            <a:pPr algn="ctr"/>
-            <a:endParaRPr lang="ko-KR" altLang="en-US"/>
-          </a:p>
-        </p:txBody>
-      </p:sp>
-      <p:sp>
-        <p:nvSpPr>
-          <p:cNvPr id="89" name="타원 88">
-            <a:extLst>
-              <a:ext uri="{FF2B5EF4-FFF2-40B4-BE49-F238E27FC236}">
-                <a16:creationId xmlns:a16="http://schemas.microsoft.com/office/drawing/2014/main" id="{E36E238B-4635-1BB2-C6F9-5E50390482AC}"/>
-              </a:ext>
-            </a:extLst>
-          </p:cNvPr>
-          <p:cNvSpPr/>
-          <p:nvPr/>
-        </p:nvSpPr>
-        <p:spPr>
-          <a:xfrm>
-            <a:off x="3087432" y="6558954"/>
-            <a:ext cx="452063" cy="277402"/>
-          </a:xfrm>
-          <a:prstGeom prst="ellipse">
-            <a:avLst/>
-          </a:prstGeom>
-        </p:spPr>
-        <p:style>
-          <a:lnRef idx="2">
-            <a:schemeClr val="accent1">
-              <a:shade val="15000"/>
-            </a:schemeClr>
-          </a:lnRef>
-          <a:fillRef idx="1">
-            <a:schemeClr val="accent1"/>
-          </a:fillRef>
-          <a:effectRef idx="0">
-            <a:schemeClr val="accent1"/>
-          </a:effectRef>
-          <a:fontRef idx="minor">
-            <a:schemeClr val="lt1"/>
-          </a:fontRef>
-        </p:style>
-        <p:txBody>
-          <a:bodyPr rtlCol="0" anchor="ctr"/>
-          <a:lstStyle/>
-          <a:p>
-            <a:pPr algn="ctr"/>
-            <a:endParaRPr lang="ko-KR" altLang="en-US"/>
-          </a:p>
-        </p:txBody>
-      </p:sp>
-      <p:sp>
-        <p:nvSpPr>
-          <p:cNvPr id="90" name="타원 89">
-            <a:extLst>
-              <a:ext uri="{FF2B5EF4-FFF2-40B4-BE49-F238E27FC236}">
-                <a16:creationId xmlns:a16="http://schemas.microsoft.com/office/drawing/2014/main" id="{6338F770-E8B8-96E8-2291-DD0CBB289175}"/>
-              </a:ext>
-            </a:extLst>
-          </p:cNvPr>
-          <p:cNvSpPr/>
-          <p:nvPr/>
-        </p:nvSpPr>
-        <p:spPr>
-          <a:xfrm>
-            <a:off x="3765527" y="6558954"/>
-            <a:ext cx="452063" cy="277402"/>
-          </a:xfrm>
-          <a:prstGeom prst="ellipse">
-            <a:avLst/>
-          </a:prstGeom>
-        </p:spPr>
-        <p:style>
-          <a:lnRef idx="2">
-            <a:schemeClr val="accent1">
-              <a:shade val="15000"/>
-            </a:schemeClr>
-          </a:lnRef>
-          <a:fillRef idx="1">
-            <a:schemeClr val="accent1"/>
-          </a:fillRef>
-          <a:effectRef idx="0">
-            <a:schemeClr val="accent1"/>
-          </a:effectRef>
-          <a:fontRef idx="minor">
-            <a:schemeClr val="lt1"/>
-          </a:fontRef>
-        </p:style>
-        <p:txBody>
-          <a:bodyPr rtlCol="0" anchor="ctr"/>
-          <a:lstStyle/>
-          <a:p>
-            <a:pPr algn="ctr"/>
-            <a:endParaRPr lang="ko-KR" altLang="en-US"/>
-          </a:p>
-        </p:txBody>
-      </p:sp>
-      <p:cxnSp>
-        <p:nvCxnSpPr>
-          <p:cNvPr id="91" name="직선 연결선 90">
-            <a:extLst>
-              <a:ext uri="{FF2B5EF4-FFF2-40B4-BE49-F238E27FC236}">
-                <a16:creationId xmlns:a16="http://schemas.microsoft.com/office/drawing/2014/main" id="{EEDF416D-6C5E-5572-6B35-EAD936C71017}"/>
-              </a:ext>
-            </a:extLst>
-          </p:cNvPr>
-          <p:cNvCxnSpPr>
-            <a:cxnSpLocks/>
-            <a:stCxn id="88" idx="3"/>
-            <a:endCxn id="89" idx="0"/>
-          </p:cNvCxnSpPr>
-          <p:nvPr/>
-        </p:nvCxnSpPr>
-        <p:spPr>
-          <a:xfrm flipH="1">
-            <a:off x="3313464" y="6396752"/>
-            <a:ext cx="201479" cy="162202"/>
-          </a:xfrm>
-          <a:prstGeom prst="line">
-            <a:avLst/>
-          </a:prstGeom>
-        </p:spPr>
-        <p:style>
-          <a:lnRef idx="1">
-            <a:schemeClr val="accent1"/>
-          </a:lnRef>
-          <a:fillRef idx="0">
-            <a:schemeClr val="accent1"/>
-          </a:fillRef>
-          <a:effectRef idx="0">
-            <a:schemeClr val="accent1"/>
-          </a:effectRef>
-          <a:fontRef idx="minor">
-            <a:schemeClr val="tx1"/>
-          </a:fontRef>
-        </p:style>
-      </p:cxnSp>
-      <p:cxnSp>
-        <p:nvCxnSpPr>
-          <p:cNvPr id="92" name="직선 연결선 91">
-            <a:extLst>
-              <a:ext uri="{FF2B5EF4-FFF2-40B4-BE49-F238E27FC236}">
-                <a16:creationId xmlns:a16="http://schemas.microsoft.com/office/drawing/2014/main" id="{3A02DABA-995B-AAA2-83C4-305D7280617E}"/>
-              </a:ext>
-            </a:extLst>
-          </p:cNvPr>
-          <p:cNvCxnSpPr>
-            <a:stCxn id="88" idx="5"/>
-            <a:endCxn id="90" idx="0"/>
-          </p:cNvCxnSpPr>
-          <p:nvPr/>
-        </p:nvCxnSpPr>
-        <p:spPr>
-          <a:xfrm>
-            <a:off x="3834600" y="6396752"/>
-            <a:ext cx="156959" cy="162202"/>
-          </a:xfrm>
-          <a:prstGeom prst="line">
-            <a:avLst/>
-          </a:prstGeom>
-        </p:spPr>
-        <p:style>
-          <a:lnRef idx="1">
-            <a:schemeClr val="accent1"/>
-          </a:lnRef>
-          <a:fillRef idx="0">
-            <a:schemeClr val="accent1"/>
-          </a:fillRef>
-          <a:effectRef idx="0">
-            <a:schemeClr val="accent1"/>
-          </a:effectRef>
-          <a:fontRef idx="minor">
-            <a:schemeClr val="tx1"/>
-          </a:fontRef>
-        </p:style>
-      </p:cxnSp>
-      <p:sp>
-        <p:nvSpPr>
-          <p:cNvPr id="93" name="타원 92">
-            <a:extLst>
-              <a:ext uri="{FF2B5EF4-FFF2-40B4-BE49-F238E27FC236}">
-                <a16:creationId xmlns:a16="http://schemas.microsoft.com/office/drawing/2014/main" id="{5339D2E9-CA35-9EC4-E024-79F517F8B0A3}"/>
-              </a:ext>
-            </a:extLst>
-          </p:cNvPr>
-          <p:cNvSpPr/>
-          <p:nvPr/>
-        </p:nvSpPr>
-        <p:spPr>
-          <a:xfrm>
-            <a:off x="4607983" y="6258051"/>
-            <a:ext cx="452063" cy="277402"/>
-          </a:xfrm>
-          <a:prstGeom prst="ellipse">
-            <a:avLst/>
-          </a:prstGeom>
-        </p:spPr>
-        <p:style>
-          <a:lnRef idx="2">
-            <a:schemeClr val="accent1">
-              <a:shade val="15000"/>
-            </a:schemeClr>
-          </a:lnRef>
-          <a:fillRef idx="1">
-            <a:schemeClr val="accent1"/>
-          </a:fillRef>
-          <a:effectRef idx="0">
-            <a:schemeClr val="accent1"/>
-          </a:effectRef>
-          <a:fontRef idx="minor">
-            <a:schemeClr val="lt1"/>
-          </a:fontRef>
-        </p:style>
-        <p:txBody>
-          <a:bodyPr rtlCol="0" anchor="ctr"/>
-          <a:lstStyle/>
-          <a:p>
-            <a:pPr algn="ctr"/>
-            <a:endParaRPr lang="ko-KR" altLang="en-US"/>
-          </a:p>
-        </p:txBody>
-      </p:sp>
-      <p:sp>
-        <p:nvSpPr>
-          <p:cNvPr id="153" name="타원 152">
-            <a:extLst>
-              <a:ext uri="{FF2B5EF4-FFF2-40B4-BE49-F238E27FC236}">
-                <a16:creationId xmlns:a16="http://schemas.microsoft.com/office/drawing/2014/main" id="{A8496AAC-9FAF-71E6-C2AF-D30C09A13853}"/>
-              </a:ext>
-            </a:extLst>
-          </p:cNvPr>
-          <p:cNvSpPr/>
-          <p:nvPr/>
-        </p:nvSpPr>
-        <p:spPr>
-          <a:xfrm>
-            <a:off x="4246675" y="6657030"/>
-            <a:ext cx="452063" cy="277402"/>
-          </a:xfrm>
-          <a:prstGeom prst="ellipse">
-            <a:avLst/>
-          </a:prstGeom>
-        </p:spPr>
-        <p:style>
-          <a:lnRef idx="2">
-            <a:schemeClr val="accent1">
-              <a:shade val="15000"/>
-            </a:schemeClr>
-          </a:lnRef>
-          <a:fillRef idx="1">
-            <a:schemeClr val="accent1"/>
-          </a:fillRef>
-          <a:effectRef idx="0">
-            <a:schemeClr val="accent1"/>
-          </a:effectRef>
-          <a:fontRef idx="minor">
-            <a:schemeClr val="lt1"/>
-          </a:fontRef>
-        </p:style>
-        <p:txBody>
-          <a:bodyPr rtlCol="0" anchor="ctr"/>
-          <a:lstStyle/>
-          <a:p>
-            <a:pPr algn="ctr"/>
-            <a:endParaRPr lang="ko-KR" altLang="en-US"/>
-          </a:p>
-        </p:txBody>
-      </p:sp>
-      <p:sp>
-        <p:nvSpPr>
-          <p:cNvPr id="154" name="타원 153">
-            <a:extLst>
-              <a:ext uri="{FF2B5EF4-FFF2-40B4-BE49-F238E27FC236}">
-                <a16:creationId xmlns:a16="http://schemas.microsoft.com/office/drawing/2014/main" id="{95633E9A-AE4B-4D37-8272-D43678557B91}"/>
-              </a:ext>
-            </a:extLst>
-          </p:cNvPr>
-          <p:cNvSpPr/>
-          <p:nvPr/>
-        </p:nvSpPr>
-        <p:spPr>
-          <a:xfrm>
-            <a:off x="4924770" y="6657030"/>
-            <a:ext cx="452063" cy="277402"/>
-          </a:xfrm>
-          <a:prstGeom prst="ellipse">
-            <a:avLst/>
-          </a:prstGeom>
-        </p:spPr>
-        <p:style>
-          <a:lnRef idx="2">
-            <a:schemeClr val="accent1">
-              <a:shade val="15000"/>
-            </a:schemeClr>
-          </a:lnRef>
-          <a:fillRef idx="1">
-            <a:schemeClr val="accent1"/>
-          </a:fillRef>
-          <a:effectRef idx="0">
-            <a:schemeClr val="accent1"/>
-          </a:effectRef>
-          <a:fontRef idx="minor">
-            <a:schemeClr val="lt1"/>
-          </a:fontRef>
-        </p:style>
-        <p:txBody>
-          <a:bodyPr rtlCol="0" anchor="ctr"/>
-          <a:lstStyle/>
-          <a:p>
-            <a:pPr algn="ctr"/>
-            <a:endParaRPr lang="ko-KR" altLang="en-US"/>
-          </a:p>
-        </p:txBody>
-      </p:sp>
-      <p:cxnSp>
-        <p:nvCxnSpPr>
-          <p:cNvPr id="156" name="직선 연결선 155">
-            <a:extLst>
-              <a:ext uri="{FF2B5EF4-FFF2-40B4-BE49-F238E27FC236}">
-                <a16:creationId xmlns:a16="http://schemas.microsoft.com/office/drawing/2014/main" id="{E93F148F-6B27-7E60-31B8-86699FF8ADBE}"/>
-              </a:ext>
-            </a:extLst>
-          </p:cNvPr>
-          <p:cNvCxnSpPr>
-            <a:cxnSpLocks/>
-            <a:stCxn id="93" idx="3"/>
-            <a:endCxn id="153" idx="0"/>
-          </p:cNvCxnSpPr>
-          <p:nvPr/>
-        </p:nvCxnSpPr>
-        <p:spPr>
-          <a:xfrm flipH="1">
-            <a:off x="4472707" y="6494828"/>
-            <a:ext cx="201479" cy="162202"/>
-          </a:xfrm>
-          <a:prstGeom prst="line">
-            <a:avLst/>
-          </a:prstGeom>
-        </p:spPr>
-        <p:style>
-          <a:lnRef idx="1">
-            <a:schemeClr val="accent1"/>
-          </a:lnRef>
-          <a:fillRef idx="0">
-            <a:schemeClr val="accent1"/>
-          </a:fillRef>
-          <a:effectRef idx="0">
-            <a:schemeClr val="accent1"/>
-          </a:effectRef>
-          <a:fontRef idx="minor">
-            <a:schemeClr val="tx1"/>
-          </a:fontRef>
-        </p:style>
-      </p:cxnSp>
-      <p:cxnSp>
-        <p:nvCxnSpPr>
-          <p:cNvPr id="158" name="직선 연결선 157">
-            <a:extLst>
-              <a:ext uri="{FF2B5EF4-FFF2-40B4-BE49-F238E27FC236}">
-                <a16:creationId xmlns:a16="http://schemas.microsoft.com/office/drawing/2014/main" id="{417A21EC-C229-84C9-F3B0-6554C45723FC}"/>
-              </a:ext>
-            </a:extLst>
-          </p:cNvPr>
-          <p:cNvCxnSpPr>
-            <a:stCxn id="93" idx="5"/>
-            <a:endCxn id="154" idx="0"/>
-          </p:cNvCxnSpPr>
-          <p:nvPr/>
-        </p:nvCxnSpPr>
-        <p:spPr>
-          <a:xfrm>
-            <a:off x="4993843" y="6494828"/>
-            <a:ext cx="156959" cy="162202"/>
-          </a:xfrm>
-          <a:prstGeom prst="line">
-            <a:avLst/>
-          </a:prstGeom>
-        </p:spPr>
-        <p:style>
-          <a:lnRef idx="1">
-            <a:schemeClr val="accent1"/>
-          </a:lnRef>
-          <a:fillRef idx="0">
-            <a:schemeClr val="accent1"/>
-          </a:fillRef>
-          <a:effectRef idx="0">
-            <a:schemeClr val="accent1"/>
-          </a:effectRef>
-          <a:fontRef idx="minor">
-            <a:schemeClr val="tx1"/>
-          </a:fontRef>
-        </p:style>
-      </p:cxnSp>
-      <p:cxnSp>
-        <p:nvCxnSpPr>
-          <p:cNvPr id="159" name="직선 연결선 158">
-            <a:extLst>
-              <a:ext uri="{FF2B5EF4-FFF2-40B4-BE49-F238E27FC236}">
-                <a16:creationId xmlns:a16="http://schemas.microsoft.com/office/drawing/2014/main" id="{9389B8B7-15E2-F08D-CBDA-2C8F61495D5F}"/>
-              </a:ext>
-            </a:extLst>
-          </p:cNvPr>
-          <p:cNvCxnSpPr>
-            <a:stCxn id="75" idx="6"/>
-            <a:endCxn id="83" idx="0"/>
-          </p:cNvCxnSpPr>
-          <p:nvPr/>
-        </p:nvCxnSpPr>
-        <p:spPr>
-          <a:xfrm>
-            <a:off x="4866574" y="5841948"/>
-            <a:ext cx="1166672" cy="326908"/>
-          </a:xfrm>
-          <a:prstGeom prst="line">
-            <a:avLst/>
-          </a:prstGeom>
-        </p:spPr>
-        <p:style>
-          <a:lnRef idx="1">
-            <a:schemeClr val="accent1"/>
-          </a:lnRef>
-          <a:fillRef idx="0">
-            <a:schemeClr val="accent1"/>
-          </a:fillRef>
-          <a:effectRef idx="0">
-            <a:schemeClr val="accent1"/>
-          </a:effectRef>
-          <a:fontRef idx="minor">
-            <a:schemeClr val="tx1"/>
-          </a:fontRef>
-        </p:style>
-      </p:cxnSp>
-      <p:cxnSp>
-        <p:nvCxnSpPr>
-          <p:cNvPr id="190" name="직선 연결선 189">
-            <a:extLst>
-              <a:ext uri="{FF2B5EF4-FFF2-40B4-BE49-F238E27FC236}">
-                <a16:creationId xmlns:a16="http://schemas.microsoft.com/office/drawing/2014/main" id="{CB4A2A06-83B8-5093-19A6-5EC5072BF3CA}"/>
-              </a:ext>
-            </a:extLst>
-          </p:cNvPr>
-          <p:cNvCxnSpPr>
-            <a:cxnSpLocks/>
-            <a:stCxn id="75" idx="3"/>
-            <a:endCxn id="93" idx="0"/>
-          </p:cNvCxnSpPr>
-          <p:nvPr/>
-        </p:nvCxnSpPr>
-        <p:spPr>
-          <a:xfrm>
-            <a:off x="4480714" y="5940024"/>
-            <a:ext cx="353301" cy="318027"/>
-          </a:xfrm>
-          <a:prstGeom prst="line">
-            <a:avLst/>
-          </a:prstGeom>
-        </p:spPr>
-        <p:style>
-          <a:lnRef idx="1">
-            <a:schemeClr val="accent1"/>
-          </a:lnRef>
-          <a:fillRef idx="0">
-            <a:schemeClr val="accent1"/>
-          </a:fillRef>
-          <a:effectRef idx="0">
-            <a:schemeClr val="accent1"/>
-          </a:effectRef>
-          <a:fontRef idx="minor">
-            <a:schemeClr val="tx1"/>
-          </a:fontRef>
-        </p:style>
-      </p:cxnSp>
-      <p:cxnSp>
-        <p:nvCxnSpPr>
-          <p:cNvPr id="191" name="직선 연결선 190">
-            <a:extLst>
-              <a:ext uri="{FF2B5EF4-FFF2-40B4-BE49-F238E27FC236}">
-                <a16:creationId xmlns:a16="http://schemas.microsoft.com/office/drawing/2014/main" id="{63BC6575-1C62-D2E7-125C-DCC277C9666D}"/>
-              </a:ext>
-            </a:extLst>
-          </p:cNvPr>
-          <p:cNvCxnSpPr>
-            <a:cxnSpLocks/>
-            <a:stCxn id="74" idx="3"/>
-            <a:endCxn id="78" idx="0"/>
-          </p:cNvCxnSpPr>
-          <p:nvPr/>
-        </p:nvCxnSpPr>
-        <p:spPr>
-          <a:xfrm flipH="1">
-            <a:off x="2436711" y="5893470"/>
-            <a:ext cx="382989" cy="266505"/>
-          </a:xfrm>
-          <a:prstGeom prst="line">
-            <a:avLst/>
-          </a:prstGeom>
-        </p:spPr>
-        <p:style>
-          <a:lnRef idx="1">
-            <a:schemeClr val="accent1"/>
-          </a:lnRef>
-          <a:fillRef idx="0">
-            <a:schemeClr val="accent1"/>
-          </a:fillRef>
-          <a:effectRef idx="0">
-            <a:schemeClr val="accent1"/>
-          </a:effectRef>
-          <a:fontRef idx="minor">
-            <a:schemeClr val="tx1"/>
-          </a:fontRef>
-        </p:style>
-      </p:cxnSp>
-      <p:cxnSp>
-        <p:nvCxnSpPr>
-          <p:cNvPr id="192" name="직선 연결선 191">
-            <a:extLst>
-              <a:ext uri="{FF2B5EF4-FFF2-40B4-BE49-F238E27FC236}">
-                <a16:creationId xmlns:a16="http://schemas.microsoft.com/office/drawing/2014/main" id="{29FC081F-F8AD-94FA-A479-C01ECF833C22}"/>
-              </a:ext>
-            </a:extLst>
-          </p:cNvPr>
-          <p:cNvCxnSpPr>
-            <a:cxnSpLocks/>
-            <a:stCxn id="88" idx="1"/>
-            <a:endCxn id="74" idx="5"/>
-          </p:cNvCxnSpPr>
-          <p:nvPr/>
-        </p:nvCxnSpPr>
-        <p:spPr>
-          <a:xfrm flipH="1" flipV="1">
-            <a:off x="3139357" y="5893470"/>
-            <a:ext cx="375586" cy="307130"/>
-          </a:xfrm>
-          <a:prstGeom prst="line">
-            <a:avLst/>
-          </a:prstGeom>
-        </p:spPr>
-        <p:style>
-          <a:lnRef idx="1">
-            <a:schemeClr val="accent1"/>
-          </a:lnRef>
-          <a:fillRef idx="0">
-            <a:schemeClr val="accent1"/>
-          </a:fillRef>
-          <a:effectRef idx="0">
-            <a:schemeClr val="accent1"/>
-          </a:effectRef>
-          <a:fontRef idx="minor">
-            <a:schemeClr val="tx1"/>
-          </a:fontRef>
-        </p:style>
-      </p:cxnSp>
-      <p:cxnSp>
-        <p:nvCxnSpPr>
-          <p:cNvPr id="194" name="직선 연결선 193">
-            <a:extLst>
-              <a:ext uri="{FF2B5EF4-FFF2-40B4-BE49-F238E27FC236}">
-                <a16:creationId xmlns:a16="http://schemas.microsoft.com/office/drawing/2014/main" id="{1746A7A1-5CC2-45C6-A038-523D915BE50F}"/>
-              </a:ext>
-            </a:extLst>
-          </p:cNvPr>
-          <p:cNvCxnSpPr>
-            <a:cxnSpLocks/>
-            <a:stCxn id="166" idx="4"/>
-            <a:endCxn id="73" idx="0"/>
-          </p:cNvCxnSpPr>
-          <p:nvPr/>
-        </p:nvCxnSpPr>
-        <p:spPr>
-          <a:xfrm flipH="1">
-            <a:off x="3671323" y="5034474"/>
-            <a:ext cx="699800" cy="223240"/>
-          </a:xfrm>
-          <a:prstGeom prst="line">
-            <a:avLst/>
-          </a:prstGeom>
-        </p:spPr>
-        <p:style>
-          <a:lnRef idx="1">
-            <a:schemeClr val="accent1"/>
-          </a:lnRef>
-          <a:fillRef idx="0">
-            <a:schemeClr val="accent1"/>
-          </a:fillRef>
-          <a:effectRef idx="0">
-            <a:schemeClr val="accent1"/>
-          </a:effectRef>
-          <a:fontRef idx="minor">
-            <a:schemeClr val="tx1"/>
-          </a:fontRef>
-        </p:style>
-      </p:cxnSp>
     </p:spTree>
     <p:extLst>
       <p:ext uri="{BB962C8B-B14F-4D97-AF65-F5344CB8AC3E}">
